--- a/StrangeChat_PPT_수진.pptx
+++ b/StrangeChat_PPT_수진.pptx
@@ -4581,7 +4581,7 @@
             <a:round/>
             <a:extLst>
               <a:ext uri="{C807C97D-BFC1-408E-A445-0C87EB9F89A2}">
-                <ask:lineSketchStyleProps xmlns:ask="http://schemas.microsoft.com/office/drawing/2018/sketchyshapes" xmlns="" sd="1219033472">
+                <ask:lineSketchStyleProps xmlns="" xmlns:ask="http://schemas.microsoft.com/office/drawing/2018/sketchyshapes" sd="1219033472">
                   <a:prstGeom prst="rect">
                     <a:avLst/>
                   </a:prstGeom>
@@ -4758,7 +4758,7 @@
           <a:p>
             <a:fld id="{72345051-2045-45DA-935E-2E3CA1A69ADC}" type="datetimeFigureOut">
               <a:rPr lang="en-US" smtClean="0"/>
-              <a:t>11/22/2023</a:t>
+              <a:t>11/23/2023</a:t>
             </a:fld>
             <a:endParaRPr lang="en-US" dirty="0"/>
           </a:p>
@@ -4956,7 +4956,7 @@
           <a:p>
             <a:fld id="{72345051-2045-45DA-935E-2E3CA1A69ADC}" type="datetimeFigureOut">
               <a:rPr lang="en-US" smtClean="0"/>
-              <a:t>11/22/2023</a:t>
+              <a:t>11/23/2023</a:t>
             </a:fld>
             <a:endParaRPr lang="en-US"/>
           </a:p>
@@ -5164,7 +5164,7 @@
           <a:p>
             <a:fld id="{72345051-2045-45DA-935E-2E3CA1A69ADC}" type="datetimeFigureOut">
               <a:rPr lang="en-US" smtClean="0"/>
-              <a:t>11/22/2023</a:t>
+              <a:t>11/23/2023</a:t>
             </a:fld>
             <a:endParaRPr lang="en-US"/>
           </a:p>
@@ -5386,7 +5386,7 @@
           <a:p>
             <a:fld id="{72345051-2045-45DA-935E-2E3CA1A69ADC}" type="datetimeFigureOut">
               <a:rPr lang="en-US" smtClean="0"/>
-              <a:t>11/22/2023</a:t>
+              <a:t>11/23/2023</a:t>
             </a:fld>
             <a:endParaRPr lang="en-US"/>
           </a:p>
@@ -6036,7 +6036,7 @@
             <a:round/>
             <a:extLst>
               <a:ext uri="{C807C97D-BFC1-408E-A445-0C87EB9F89A2}">
-                <ask:lineSketchStyleProps xmlns:ask="http://schemas.microsoft.com/office/drawing/2018/sketchyshapes" xmlns="" sd="1219033472">
+                <ask:lineSketchStyleProps xmlns="" xmlns:ask="http://schemas.microsoft.com/office/drawing/2018/sketchyshapes" sd="1219033472">
                   <a:prstGeom prst="rect">
                     <a:avLst/>
                   </a:prstGeom>
@@ -6297,7 +6297,7 @@
           <a:p>
             <a:fld id="{72345051-2045-45DA-935E-2E3CA1A69ADC}" type="datetimeFigureOut">
               <a:rPr lang="en-US" smtClean="0"/>
-              <a:t>11/22/2023</a:t>
+              <a:t>11/23/2023</a:t>
             </a:fld>
             <a:endParaRPr lang="en-US"/>
           </a:p>
@@ -6652,7 +6652,7 @@
             <a:round/>
             <a:extLst>
               <a:ext uri="{C807C97D-BFC1-408E-A445-0C87EB9F89A2}">
-                <ask:lineSketchStyleProps xmlns:ask="http://schemas.microsoft.com/office/drawing/2018/sketchyshapes" xmlns="" sd="1219033472">
+                <ask:lineSketchStyleProps xmlns="" xmlns:ask="http://schemas.microsoft.com/office/drawing/2018/sketchyshapes" sd="1219033472">
                   <a:prstGeom prst="rect">
                     <a:avLst/>
                   </a:prstGeom>
@@ -6900,7 +6900,7 @@
           <a:p>
             <a:fld id="{72345051-2045-45DA-935E-2E3CA1A69ADC}" type="datetimeFigureOut">
               <a:rPr lang="en-US" smtClean="0"/>
-              <a:t>11/22/2023</a:t>
+              <a:t>11/23/2023</a:t>
             </a:fld>
             <a:endParaRPr lang="en-US"/>
           </a:p>
@@ -7550,7 +7550,7 @@
             <a:round/>
             <a:extLst>
               <a:ext uri="{C807C97D-BFC1-408E-A445-0C87EB9F89A2}">
-                <ask:lineSketchStyleProps xmlns:ask="http://schemas.microsoft.com/office/drawing/2018/sketchyshapes" xmlns="" sd="1219033472">
+                <ask:lineSketchStyleProps xmlns="" xmlns:ask="http://schemas.microsoft.com/office/drawing/2018/sketchyshapes" sd="1219033472">
                   <a:prstGeom prst="rect">
                     <a:avLst/>
                   </a:prstGeom>
@@ -7948,7 +7948,7 @@
           <a:p>
             <a:fld id="{72345051-2045-45DA-935E-2E3CA1A69ADC}" type="datetimeFigureOut">
               <a:rPr lang="en-US" smtClean="0"/>
-              <a:t>11/22/2023</a:t>
+              <a:t>11/23/2023</a:t>
             </a:fld>
             <a:endParaRPr lang="en-US"/>
           </a:p>
@@ -8598,7 +8598,7 @@
             <a:round/>
             <a:extLst>
               <a:ext uri="{C807C97D-BFC1-408E-A445-0C87EB9F89A2}">
-                <ask:lineSketchStyleProps xmlns:ask="http://schemas.microsoft.com/office/drawing/2018/sketchyshapes" xmlns="" sd="1219033472">
+                <ask:lineSketchStyleProps xmlns="" xmlns:ask="http://schemas.microsoft.com/office/drawing/2018/sketchyshapes" sd="1219033472">
                   <a:prstGeom prst="rect">
                     <a:avLst/>
                   </a:prstGeom>
@@ -8732,7 +8732,7 @@
           <a:p>
             <a:fld id="{72345051-2045-45DA-935E-2E3CA1A69ADC}" type="datetimeFigureOut">
               <a:rPr lang="en-US" smtClean="0"/>
-              <a:t>11/22/2023</a:t>
+              <a:t>11/23/2023</a:t>
             </a:fld>
             <a:endParaRPr lang="en-US"/>
           </a:p>
@@ -9087,7 +9087,7 @@
             <a:round/>
             <a:extLst>
               <a:ext uri="{C807C97D-BFC1-408E-A445-0C87EB9F89A2}">
-                <ask:lineSketchStyleProps xmlns:ask="http://schemas.microsoft.com/office/drawing/2018/sketchyshapes" xmlns="" sd="1219033472">
+                <ask:lineSketchStyleProps xmlns="" xmlns:ask="http://schemas.microsoft.com/office/drawing/2018/sketchyshapes" sd="1219033472">
                   <a:prstGeom prst="rect">
                     <a:avLst/>
                   </a:prstGeom>
@@ -9181,7 +9181,7 @@
           <a:p>
             <a:fld id="{72345051-2045-45DA-935E-2E3CA1A69ADC}" type="datetimeFigureOut">
               <a:rPr lang="en-US" smtClean="0"/>
-              <a:t>11/22/2023</a:t>
+              <a:t>11/23/2023</a:t>
             </a:fld>
             <a:endParaRPr lang="en-US"/>
           </a:p>
@@ -9498,7 +9498,7 @@
           <a:p>
             <a:fld id="{72345051-2045-45DA-935E-2E3CA1A69ADC}" type="datetimeFigureOut">
               <a:rPr lang="en-US" smtClean="0"/>
-              <a:t>11/22/2023</a:t>
+              <a:t>11/23/2023</a:t>
             </a:fld>
             <a:endParaRPr lang="en-US"/>
           </a:p>
@@ -9853,7 +9853,7 @@
             <a:round/>
             <a:extLst>
               <a:ext uri="{C807C97D-BFC1-408E-A445-0C87EB9F89A2}">
-                <ask:lineSketchStyleProps xmlns:ask="http://schemas.microsoft.com/office/drawing/2018/sketchyshapes" xmlns="" sd="1219033472">
+                <ask:lineSketchStyleProps xmlns="" xmlns:ask="http://schemas.microsoft.com/office/drawing/2018/sketchyshapes" sd="1219033472">
                   <a:prstGeom prst="rect">
                     <a:avLst/>
                   </a:prstGeom>
@@ -10126,7 +10126,7 @@
           <a:p>
             <a:fld id="{72345051-2045-45DA-935E-2E3CA1A69ADC}" type="datetimeFigureOut">
               <a:rPr lang="en-US" smtClean="0"/>
-              <a:t>11/22/2023</a:t>
+              <a:t>11/23/2023</a:t>
             </a:fld>
             <a:endParaRPr lang="en-US"/>
           </a:p>
@@ -10481,7 +10481,7 @@
             <a:round/>
             <a:extLst>
               <a:ext uri="{C807C97D-BFC1-408E-A445-0C87EB9F89A2}">
-                <ask:lineSketchStyleProps xmlns:ask="http://schemas.microsoft.com/office/drawing/2018/sketchyshapes" xmlns="" sd="1219033472">
+                <ask:lineSketchStyleProps xmlns="" xmlns:ask="http://schemas.microsoft.com/office/drawing/2018/sketchyshapes" sd="1219033472">
                   <a:prstGeom prst="rect">
                     <a:avLst/>
                   </a:prstGeom>
@@ -10695,7 +10695,7 @@
           <a:p>
             <a:fld id="{72345051-2045-45DA-935E-2E3CA1A69ADC}" type="datetimeFigureOut">
               <a:rPr lang="en-US" smtClean="0"/>
-              <a:t>11/22/2023</a:t>
+              <a:t>11/23/2023</a:t>
             </a:fld>
             <a:endParaRPr lang="en-US" dirty="0"/>
           </a:p>
@@ -11128,7 +11128,7 @@
                 <a16:creationId xmlns:a16="http://schemas.microsoft.com/office/drawing/2014/main" id="{168AB93A-48BC-4C25-A3AD-C17B5A682A94}"/>
               </a:ext>
               <a:ext uri="{C183D7F6-B498-43B3-948B-1728B52AA6E4}">
-                <adec:decorative xmlns:adec="http://schemas.microsoft.com/office/drawing/2017/decorative" xmlns="" val="1"/>
+                <adec:decorative xmlns="" xmlns:adec="http://schemas.microsoft.com/office/drawing/2017/decorative" val="1"/>
               </a:ext>
             </a:extLst>
           </p:cNvPr>
@@ -11188,7 +11188,7 @@
                 <a16:creationId xmlns:a16="http://schemas.microsoft.com/office/drawing/2014/main" id="{AF4AE179-A75B-4007-B5FA-8139ACFB9B81}"/>
               </a:ext>
               <a:ext uri="{C183D7F6-B498-43B3-948B-1728B52AA6E4}">
-                <adec:decorative xmlns:adec="http://schemas.microsoft.com/office/drawing/2017/decorative" xmlns="" val="1"/>
+                <adec:decorative xmlns="" xmlns:adec="http://schemas.microsoft.com/office/drawing/2017/decorative" val="1"/>
               </a:ext>
             </a:extLst>
           </p:cNvPr>
@@ -11878,7 +11878,7 @@
                 <a16:creationId xmlns:a16="http://schemas.microsoft.com/office/drawing/2014/main" id="{3FCFB1DE-0B7E-48CC-BA90-B2AB0889F9D6}"/>
               </a:ext>
               <a:ext uri="{C183D7F6-B498-43B3-948B-1728B52AA6E4}">
-                <adec:decorative xmlns:adec="http://schemas.microsoft.com/office/drawing/2017/decorative" xmlns="" val="1"/>
+                <adec:decorative xmlns="" xmlns:adec="http://schemas.microsoft.com/office/drawing/2017/decorative" val="1"/>
               </a:ext>
             </a:extLst>
           </p:cNvPr>
@@ -12106,7 +12106,7 @@
             <a:round/>
             <a:extLst>
               <a:ext uri="{C807C97D-BFC1-408E-A445-0C87EB9F89A2}">
-                <ask:lineSketchStyleProps xmlns:ask="http://schemas.microsoft.com/office/drawing/2018/sketchyshapes" xmlns="" sd="1219033472">
+                <ask:lineSketchStyleProps xmlns="" xmlns:ask="http://schemas.microsoft.com/office/drawing/2018/sketchyshapes" sd="1219033472">
                   <a:prstGeom prst="rect">
                     <a:avLst/>
                   </a:prstGeom>
@@ -23042,10 +23042,6 @@
                 </a:rPr>
                 <a:t>사용할 컴포넌트 선택</a:t>
               </a:r>
-              <a:endParaRPr lang="ko-KR" altLang="en-US" sz="2000" dirty="0">
-                <a:latin typeface="G마켓 산스 TTF Bold" panose="02000000000000000000" pitchFamily="2" charset="-127"/>
-                <a:ea typeface="G마켓 산스 TTF Bold" panose="02000000000000000000" pitchFamily="2" charset="-127"/>
-              </a:endParaRPr>
             </a:p>
           </p:txBody>
         </p:sp>
@@ -23203,10 +23199,6 @@
                 </a:rPr>
                 <a:t>사용 코드 서술</a:t>
               </a:r>
-              <a:endParaRPr lang="ko-KR" altLang="en-US" sz="2000" dirty="0">
-                <a:latin typeface="G마켓 산스 TTF Bold" panose="02000000000000000000" pitchFamily="2" charset="-127"/>
-                <a:ea typeface="G마켓 산스 TTF Bold" panose="02000000000000000000" pitchFamily="2" charset="-127"/>
-              </a:endParaRPr>
             </a:p>
           </p:txBody>
         </p:sp>
@@ -23371,10 +23363,6 @@
                 </a:rPr>
                 <a:t>계층구조</a:t>
               </a:r>
-              <a:endParaRPr lang="ko-KR" altLang="en-US" sz="2000" dirty="0">
-                <a:latin typeface="G마켓 산스 TTF Bold" panose="02000000000000000000" pitchFamily="2" charset="-127"/>
-                <a:ea typeface="G마켓 산스 TTF Bold" panose="02000000000000000000" pitchFamily="2" charset="-127"/>
-              </a:endParaRPr>
             </a:p>
           </p:txBody>
         </p:sp>
@@ -25014,10 +25002,6 @@
               </a:rPr>
               <a:t>계층구조</a:t>
             </a:r>
-            <a:endParaRPr lang="ko-KR" altLang="en-US" sz="2400" dirty="0">
-              <a:latin typeface="G마켓 산스 TTF Bold" panose="02000000000000000000" pitchFamily="2" charset="-127"/>
-              <a:ea typeface="G마켓 산스 TTF Bold" panose="02000000000000000000" pitchFamily="2" charset="-127"/>
-            </a:endParaRPr>
           </a:p>
         </p:txBody>
       </p:sp>
@@ -25852,10 +25836,6 @@
               </a:rPr>
               <a:t>컴포넌트 선택</a:t>
             </a:r>
-            <a:endParaRPr lang="ko-KR" altLang="en-US" sz="2000" dirty="0">
-              <a:latin typeface="G마켓 산스 TTF Bold" panose="02000000000000000000" pitchFamily="2" charset="-127"/>
-              <a:ea typeface="G마켓 산스 TTF Bold" panose="02000000000000000000" pitchFamily="2" charset="-127"/>
-            </a:endParaRPr>
           </a:p>
         </p:txBody>
       </p:sp>
@@ -26272,10 +26252,6 @@
               </a:rPr>
               <a:t>컴포넌트 선택</a:t>
             </a:r>
-            <a:endParaRPr lang="ko-KR" altLang="en-US" sz="2000" dirty="0">
-              <a:latin typeface="G마켓 산스 TTF Bold" panose="02000000000000000000" pitchFamily="2" charset="-127"/>
-              <a:ea typeface="G마켓 산스 TTF Bold" panose="02000000000000000000" pitchFamily="2" charset="-127"/>
-            </a:endParaRPr>
           </a:p>
         </p:txBody>
       </p:sp>
@@ -29697,17 +29673,7 @@
                   <a:latin typeface="G마켓 산스 TTF Medium" panose="02000000000000000000" pitchFamily="2" charset="-127"/>
                   <a:ea typeface="G마켓 산스 TTF Medium" panose="02000000000000000000" pitchFamily="2" charset="-127"/>
                 </a:rPr>
-                <a:t>메시지 출력 </a:t>
-              </a:r>
-              <a:r>
-                <a:rPr lang="ko-KR" altLang="en-US" sz="1400" dirty="0" smtClean="0">
-                  <a:solidFill>
-                    <a:schemeClr val="tx1"/>
-                  </a:solidFill>
-                  <a:latin typeface="G마켓 산스 TTF Medium" panose="02000000000000000000" pitchFamily="2" charset="-127"/>
-                  <a:ea typeface="G마켓 산스 TTF Medium" panose="02000000000000000000" pitchFamily="2" charset="-127"/>
-                </a:rPr>
-                <a:t>메서드</a:t>
+                <a:t>메시지 출력 메서드</a:t>
               </a:r>
               <a:endParaRPr lang="en-US" altLang="ko-KR" sz="1400" dirty="0" smtClean="0">
                 <a:solidFill>
@@ -30469,7 +30435,7 @@
         </p:blipFill>
         <p:spPr>
           <a:xfrm>
-            <a:off x="0" y="1629000"/>
+            <a:off x="134470" y="1965175"/>
             <a:ext cx="6185235" cy="3600000"/>
           </a:xfrm>
           <a:prstGeom prst="rect">
@@ -30493,7 +30459,7 @@
         </p:nvSpPr>
         <p:spPr>
           <a:xfrm>
-            <a:off x="6410324" y="1629000"/>
+            <a:off x="6410325" y="1960221"/>
             <a:ext cx="5781679" cy="4933725"/>
           </a:xfrm>
           <a:prstGeom prst="rect">
@@ -30670,29 +30636,22 @@
             </a:lvl9pPr>
           </a:lstStyle>
           <a:p>
-            <a:pPr marL="0" indent="0">
-              <a:buNone/>
+            <a:pPr marL="342900" indent="-342900">
+              <a:buAutoNum type="arabicParenR"/>
             </a:pPr>
+            <a:r>
+              <a:rPr lang="en-US" altLang="ko-KR" sz="1800" dirty="0" err="1" smtClean="0">
+                <a:latin typeface="G마켓 산스 TTF Bold" panose="02000000000000000000" pitchFamily="2" charset="-127"/>
+                <a:ea typeface="G마켓 산스 TTF Bold" panose="02000000000000000000" pitchFamily="2" charset="-127"/>
+              </a:rPr>
+              <a:t>SwingClientApp</a:t>
+            </a:r>
             <a:r>
               <a:rPr lang="en-US" altLang="ko-KR" sz="1800" dirty="0" smtClean="0">
                 <a:latin typeface="G마켓 산스 TTF Bold" panose="02000000000000000000" pitchFamily="2" charset="-127"/>
                 <a:ea typeface="G마켓 산스 TTF Bold" panose="02000000000000000000" pitchFamily="2" charset="-127"/>
               </a:rPr>
-              <a:t>1. </a:t>
-            </a:r>
-            <a:r>
-              <a:rPr lang="en-US" altLang="ko-KR" sz="1800" dirty="0" err="1" smtClean="0">
-                <a:latin typeface="G마켓 산스 TTF Bold" panose="02000000000000000000" pitchFamily="2" charset="-127"/>
-                <a:ea typeface="G마켓 산스 TTF Bold" panose="02000000000000000000" pitchFamily="2" charset="-127"/>
-              </a:rPr>
-              <a:t>SwingClientApp</a:t>
-            </a:r>
-            <a:r>
-              <a:rPr lang="en-US" altLang="ko-KR" sz="1800" dirty="0" smtClean="0">
-                <a:latin typeface="G마켓 산스 TTF Bold" panose="02000000000000000000" pitchFamily="2" charset="-127"/>
-                <a:ea typeface="G마켓 산스 TTF Bold" panose="02000000000000000000" pitchFamily="2" charset="-127"/>
-              </a:rPr>
-              <a:t> - </a:t>
+              <a:t> – </a:t>
             </a:r>
             <a:r>
               <a:rPr lang="ko-KR" altLang="en-US" sz="1800" dirty="0" smtClean="0">
@@ -30708,14 +30667,11 @@
           </a:p>
           <a:p>
             <a:pPr marL="342900" indent="-342900">
-              <a:buAutoNum type="arabicPeriod"/>
+              <a:buAutoNum type="arabicParenR"/>
             </a:pPr>
-            <a:endParaRPr lang="en-US" altLang="ko-KR" sz="1600" dirty="0" smtClean="0">
-              <a:solidFill>
-                <a:srgbClr val="24292F"/>
-              </a:solidFill>
-              <a:latin typeface="G마켓 산스 TTF Medium" panose="02000000000000000000" pitchFamily="2" charset="-127"/>
-              <a:ea typeface="G마켓 산스 TTF Medium" panose="02000000000000000000" pitchFamily="2" charset="-127"/>
+            <a:endParaRPr lang="en-US" altLang="ko-KR" sz="1800" dirty="0" smtClean="0">
+              <a:latin typeface="G마켓 산스 TTF Bold" panose="02000000000000000000" pitchFamily="2" charset="-127"/>
+              <a:ea typeface="G마켓 산스 TTF Bold" panose="02000000000000000000" pitchFamily="2" charset="-127"/>
             </a:endParaRPr>
           </a:p>
           <a:p>
@@ -31224,6 +31180,85 @@
               <a:buAutoNum type="arabicParenR"/>
             </a:pPr>
             <a:endParaRPr lang="ko-KR" altLang="en-US" dirty="0">
+              <a:latin typeface="G마켓 산스 TTF Bold" panose="02000000000000000000" pitchFamily="2" charset="-127"/>
+              <a:ea typeface="G마켓 산스 TTF Bold" panose="02000000000000000000" pitchFamily="2" charset="-127"/>
+            </a:endParaRPr>
+          </a:p>
+        </p:txBody>
+      </p:sp>
+      <p:sp>
+        <p:nvSpPr>
+          <p:cNvPr id="7" name="제목 1">
+            <a:extLst>
+              <a:ext uri="{FF2B5EF4-FFF2-40B4-BE49-F238E27FC236}">
+                <a16:creationId xmlns:a16="http://schemas.microsoft.com/office/drawing/2014/main" id="{0F15DE4D-6439-7476-2129-C2465A8AF469}"/>
+              </a:ext>
+            </a:extLst>
+          </p:cNvPr>
+          <p:cNvSpPr txBox="1">
+            <a:spLocks/>
+          </p:cNvSpPr>
+          <p:nvPr/>
+        </p:nvSpPr>
+        <p:spPr>
+          <a:xfrm>
+            <a:off x="399525" y="1321085"/>
+            <a:ext cx="3341472" cy="639136"/>
+          </a:xfrm>
+          <a:prstGeom prst="rect">
+            <a:avLst/>
+          </a:prstGeom>
+          <a:ln w="38100">
+            <a:noFill/>
+          </a:ln>
+        </p:spPr>
+        <p:txBody>
+          <a:bodyPr anchor="ctr">
+            <a:noAutofit/>
+          </a:bodyPr>
+          <a:lstStyle>
+            <a:lvl1pPr algn="l" defTabSz="914400" rtl="0" eaLnBrk="1" latinLnBrk="0" hangingPunct="1">
+              <a:lnSpc>
+                <a:spcPct val="110000"/>
+              </a:lnSpc>
+              <a:spcBef>
+                <a:spcPct val="0"/>
+              </a:spcBef>
+              <a:buNone/>
+              <a:defRPr sz="4400" kern="1200" spc="90">
+                <a:solidFill>
+                  <a:schemeClr val="tx1"/>
+                </a:solidFill>
+                <a:latin typeface="+mj-lt"/>
+                <a:ea typeface="+mj-ea"/>
+                <a:cs typeface="+mj-cs"/>
+              </a:defRPr>
+            </a:lvl1pPr>
+          </a:lstStyle>
+          <a:p>
+            <a:pPr algn="ctr"/>
+            <a:r>
+              <a:rPr lang="en-US" altLang="ko-KR" sz="2000" dirty="0" smtClean="0">
+                <a:latin typeface="G마켓 산스 TTF Bold" panose="02000000000000000000" pitchFamily="2" charset="-127"/>
+                <a:ea typeface="G마켓 산스 TTF Bold" panose="02000000000000000000" pitchFamily="2" charset="-127"/>
+              </a:rPr>
+              <a:t>4. </a:t>
+            </a:r>
+            <a:r>
+              <a:rPr lang="ko-KR" altLang="en-US" sz="2000" dirty="0" smtClean="0">
+                <a:latin typeface="G마켓 산스 TTF Bold" panose="02000000000000000000" pitchFamily="2" charset="-127"/>
+                <a:ea typeface="G마켓 산스 TTF Bold" panose="02000000000000000000" pitchFamily="2" charset="-127"/>
+              </a:rPr>
+              <a:t>사용 </a:t>
+            </a:r>
+            <a:r>
+              <a:rPr lang="ko-KR" altLang="en-US" sz="2000" dirty="0" smtClean="0">
+                <a:latin typeface="G마켓 산스 TTF Bold" panose="02000000000000000000" pitchFamily="2" charset="-127"/>
+                <a:ea typeface="G마켓 산스 TTF Bold" panose="02000000000000000000" pitchFamily="2" charset="-127"/>
+              </a:rPr>
+              <a:t>코드 서술</a:t>
+            </a:r>
+            <a:endParaRPr lang="ko-KR" altLang="en-US" sz="2000" dirty="0">
               <a:latin typeface="G마켓 산스 TTF Bold" panose="02000000000000000000" pitchFamily="2" charset="-127"/>
               <a:ea typeface="G마켓 산스 TTF Bold" panose="02000000000000000000" pitchFamily="2" charset="-127"/>
             </a:endParaRPr>
@@ -31593,7 +31628,7 @@
         </p:blipFill>
         <p:spPr>
           <a:xfrm>
-            <a:off x="0" y="2169000"/>
+            <a:off x="40341" y="2169000"/>
             <a:ext cx="6724883" cy="2520000"/>
           </a:xfrm>
           <a:prstGeom prst="rect">
@@ -31617,7 +31652,7 @@
         </p:nvSpPr>
         <p:spPr>
           <a:xfrm>
-            <a:off x="6724883" y="1465976"/>
+            <a:off x="6765224" y="1761251"/>
             <a:ext cx="5467120" cy="5096749"/>
           </a:xfrm>
           <a:prstGeom prst="rect">
@@ -31802,7 +31837,7 @@
                 <a:latin typeface="G마켓 산스 TTF Bold" panose="02000000000000000000" pitchFamily="2" charset="-127"/>
                 <a:ea typeface="G마켓 산스 TTF Bold" panose="02000000000000000000" pitchFamily="2" charset="-127"/>
               </a:rPr>
-              <a:t>2. </a:t>
+              <a:t>2) </a:t>
             </a:r>
             <a:r>
               <a:rPr lang="en-US" altLang="ko-KR" sz="1800" dirty="0" err="1" smtClean="0">
@@ -31816,7 +31851,14 @@
                 <a:latin typeface="G마켓 산스 TTF Bold" panose="02000000000000000000" pitchFamily="2" charset="-127"/>
                 <a:ea typeface="G마켓 산스 TTF Bold" panose="02000000000000000000" pitchFamily="2" charset="-127"/>
               </a:rPr>
-              <a:t> - </a:t>
+              <a:t> </a:t>
+            </a:r>
+            <a:r>
+              <a:rPr lang="en-US" altLang="ko-KR" sz="1800" dirty="0" smtClean="0">
+                <a:latin typeface="G마켓 산스 TTF Bold" panose="02000000000000000000" pitchFamily="2" charset="-127"/>
+                <a:ea typeface="G마켓 산스 TTF Bold" panose="02000000000000000000" pitchFamily="2" charset="-127"/>
+              </a:rPr>
+              <a:t>– </a:t>
             </a:r>
             <a:r>
               <a:rPr lang="ko-KR" altLang="en-US" sz="1800" dirty="0" err="1" smtClean="0">
@@ -32525,9 +32567,84 @@
               </a:rPr>
               <a:t>위치를 배치해주고 관리</a:t>
             </a:r>
-            <a:endParaRPr lang="ko-KR" altLang="en-US" sz="1600" dirty="0">
-              <a:latin typeface="G마켓 산스 TTF Medium" panose="02000000000000000000" pitchFamily="2" charset="-127"/>
-              <a:ea typeface="G마켓 산스 TTF Medium" panose="02000000000000000000" pitchFamily="2" charset="-127"/>
+          </a:p>
+        </p:txBody>
+      </p:sp>
+      <p:sp>
+        <p:nvSpPr>
+          <p:cNvPr id="9" name="제목 1">
+            <a:extLst>
+              <a:ext uri="{FF2B5EF4-FFF2-40B4-BE49-F238E27FC236}">
+                <a16:creationId xmlns:a16="http://schemas.microsoft.com/office/drawing/2014/main" id="{0F15DE4D-6439-7476-2129-C2465A8AF469}"/>
+              </a:ext>
+            </a:extLst>
+          </p:cNvPr>
+          <p:cNvSpPr txBox="1">
+            <a:spLocks/>
+          </p:cNvSpPr>
+          <p:nvPr/>
+        </p:nvSpPr>
+        <p:spPr>
+          <a:xfrm>
+            <a:off x="399525" y="1321085"/>
+            <a:ext cx="3341472" cy="639136"/>
+          </a:xfrm>
+          <a:prstGeom prst="rect">
+            <a:avLst/>
+          </a:prstGeom>
+          <a:ln w="38100">
+            <a:noFill/>
+          </a:ln>
+        </p:spPr>
+        <p:txBody>
+          <a:bodyPr anchor="ctr">
+            <a:noAutofit/>
+          </a:bodyPr>
+          <a:lstStyle>
+            <a:lvl1pPr algn="l" defTabSz="914400" rtl="0" eaLnBrk="1" latinLnBrk="0" hangingPunct="1">
+              <a:lnSpc>
+                <a:spcPct val="110000"/>
+              </a:lnSpc>
+              <a:spcBef>
+                <a:spcPct val="0"/>
+              </a:spcBef>
+              <a:buNone/>
+              <a:defRPr sz="4400" kern="1200" spc="90">
+                <a:solidFill>
+                  <a:schemeClr val="tx1"/>
+                </a:solidFill>
+                <a:latin typeface="+mj-lt"/>
+                <a:ea typeface="+mj-ea"/>
+                <a:cs typeface="+mj-cs"/>
+              </a:defRPr>
+            </a:lvl1pPr>
+          </a:lstStyle>
+          <a:p>
+            <a:pPr algn="ctr"/>
+            <a:r>
+              <a:rPr lang="en-US" altLang="ko-KR" sz="2000" dirty="0" smtClean="0">
+                <a:latin typeface="G마켓 산스 TTF Bold" panose="02000000000000000000" pitchFamily="2" charset="-127"/>
+                <a:ea typeface="G마켓 산스 TTF Bold" panose="02000000000000000000" pitchFamily="2" charset="-127"/>
+              </a:rPr>
+              <a:t>4. </a:t>
+            </a:r>
+            <a:r>
+              <a:rPr lang="ko-KR" altLang="en-US" sz="2000" dirty="0" smtClean="0">
+                <a:latin typeface="G마켓 산스 TTF Bold" panose="02000000000000000000" pitchFamily="2" charset="-127"/>
+                <a:ea typeface="G마켓 산스 TTF Bold" panose="02000000000000000000" pitchFamily="2" charset="-127"/>
+              </a:rPr>
+              <a:t>사용 </a:t>
+            </a:r>
+            <a:r>
+              <a:rPr lang="ko-KR" altLang="en-US" sz="2000" dirty="0" smtClean="0">
+                <a:latin typeface="G마켓 산스 TTF Bold" panose="02000000000000000000" pitchFamily="2" charset="-127"/>
+                <a:ea typeface="G마켓 산스 TTF Bold" panose="02000000000000000000" pitchFamily="2" charset="-127"/>
+              </a:rPr>
+              <a:t>코드 서술</a:t>
+            </a:r>
+            <a:endParaRPr lang="ko-KR" altLang="en-US" sz="2000" dirty="0">
+              <a:latin typeface="G마켓 산스 TTF Bold" panose="02000000000000000000" pitchFamily="2" charset="-127"/>
+              <a:ea typeface="G마켓 산스 TTF Bold" panose="02000000000000000000" pitchFamily="2" charset="-127"/>
             </a:endParaRPr>
           </a:p>
         </p:txBody>
@@ -32895,7 +33012,7 @@
         </p:blipFill>
         <p:spPr>
           <a:xfrm>
-            <a:off x="0" y="1629000"/>
+            <a:off x="67235" y="1897940"/>
             <a:ext cx="6162446" cy="3600000"/>
           </a:xfrm>
           <a:prstGeom prst="rect">
@@ -32919,7 +33036,7 @@
         </p:nvSpPr>
         <p:spPr>
           <a:xfrm>
-            <a:off x="6258158" y="1465976"/>
+            <a:off x="6258158" y="1871292"/>
             <a:ext cx="5933846" cy="5096749"/>
           </a:xfrm>
           <a:prstGeom prst="rect">
@@ -33104,7 +33221,7 @@
                 <a:latin typeface="G마켓 산스 TTF Bold" panose="02000000000000000000" pitchFamily="2" charset="-127"/>
                 <a:ea typeface="G마켓 산스 TTF Bold" panose="02000000000000000000" pitchFamily="2" charset="-127"/>
               </a:rPr>
-              <a:t>3. </a:t>
+              <a:t>3) </a:t>
             </a:r>
             <a:r>
               <a:rPr lang="en-US" altLang="ko-KR" sz="1800" b="1" dirty="0" err="1" smtClean="0">
@@ -33413,6 +33530,85 @@
               <a:buAutoNum type="arabicParenR"/>
             </a:pPr>
             <a:endParaRPr lang="ko-KR" altLang="en-US" dirty="0">
+              <a:latin typeface="G마켓 산스 TTF Bold" panose="02000000000000000000" pitchFamily="2" charset="-127"/>
+              <a:ea typeface="G마켓 산스 TTF Bold" panose="02000000000000000000" pitchFamily="2" charset="-127"/>
+            </a:endParaRPr>
+          </a:p>
+        </p:txBody>
+      </p:sp>
+      <p:sp>
+        <p:nvSpPr>
+          <p:cNvPr id="6" name="제목 1">
+            <a:extLst>
+              <a:ext uri="{FF2B5EF4-FFF2-40B4-BE49-F238E27FC236}">
+                <a16:creationId xmlns:a16="http://schemas.microsoft.com/office/drawing/2014/main" id="{0F15DE4D-6439-7476-2129-C2465A8AF469}"/>
+              </a:ext>
+            </a:extLst>
+          </p:cNvPr>
+          <p:cNvSpPr txBox="1">
+            <a:spLocks/>
+          </p:cNvSpPr>
+          <p:nvPr/>
+        </p:nvSpPr>
+        <p:spPr>
+          <a:xfrm>
+            <a:off x="399525" y="1321085"/>
+            <a:ext cx="3341472" cy="639136"/>
+          </a:xfrm>
+          <a:prstGeom prst="rect">
+            <a:avLst/>
+          </a:prstGeom>
+          <a:ln w="38100">
+            <a:noFill/>
+          </a:ln>
+        </p:spPr>
+        <p:txBody>
+          <a:bodyPr anchor="ctr">
+            <a:noAutofit/>
+          </a:bodyPr>
+          <a:lstStyle>
+            <a:lvl1pPr algn="l" defTabSz="914400" rtl="0" eaLnBrk="1" latinLnBrk="0" hangingPunct="1">
+              <a:lnSpc>
+                <a:spcPct val="110000"/>
+              </a:lnSpc>
+              <a:spcBef>
+                <a:spcPct val="0"/>
+              </a:spcBef>
+              <a:buNone/>
+              <a:defRPr sz="4400" kern="1200" spc="90">
+                <a:solidFill>
+                  <a:schemeClr val="tx1"/>
+                </a:solidFill>
+                <a:latin typeface="+mj-lt"/>
+                <a:ea typeface="+mj-ea"/>
+                <a:cs typeface="+mj-cs"/>
+              </a:defRPr>
+            </a:lvl1pPr>
+          </a:lstStyle>
+          <a:p>
+            <a:pPr algn="ctr"/>
+            <a:r>
+              <a:rPr lang="en-US" altLang="ko-KR" sz="2000" dirty="0" smtClean="0">
+                <a:latin typeface="G마켓 산스 TTF Bold" panose="02000000000000000000" pitchFamily="2" charset="-127"/>
+                <a:ea typeface="G마켓 산스 TTF Bold" panose="02000000000000000000" pitchFamily="2" charset="-127"/>
+              </a:rPr>
+              <a:t>4. </a:t>
+            </a:r>
+            <a:r>
+              <a:rPr lang="ko-KR" altLang="en-US" sz="2000" dirty="0" smtClean="0">
+                <a:latin typeface="G마켓 산스 TTF Bold" panose="02000000000000000000" pitchFamily="2" charset="-127"/>
+                <a:ea typeface="G마켓 산스 TTF Bold" panose="02000000000000000000" pitchFamily="2" charset="-127"/>
+              </a:rPr>
+              <a:t>사용 </a:t>
+            </a:r>
+            <a:r>
+              <a:rPr lang="ko-KR" altLang="en-US" sz="2000" dirty="0" smtClean="0">
+                <a:latin typeface="G마켓 산스 TTF Bold" panose="02000000000000000000" pitchFamily="2" charset="-127"/>
+                <a:ea typeface="G마켓 산스 TTF Bold" panose="02000000000000000000" pitchFamily="2" charset="-127"/>
+              </a:rPr>
+              <a:t>코드 서술</a:t>
+            </a:r>
+            <a:endParaRPr lang="ko-KR" altLang="en-US" sz="2000" dirty="0">
               <a:latin typeface="G마켓 산스 TTF Bold" panose="02000000000000000000" pitchFamily="2" charset="-127"/>
               <a:ea typeface="G마켓 산스 TTF Bold" panose="02000000000000000000" pitchFamily="2" charset="-127"/>
             </a:endParaRPr>
@@ -34836,7 +35032,7 @@
         </p:blipFill>
         <p:spPr>
           <a:xfrm>
-            <a:off x="0" y="1809000"/>
+            <a:off x="67235" y="1809000"/>
             <a:ext cx="6204906" cy="3240000"/>
           </a:xfrm>
           <a:prstGeom prst="rect">
@@ -34860,7 +35056,7 @@
         </p:nvSpPr>
         <p:spPr>
           <a:xfrm>
-            <a:off x="6258158" y="1465976"/>
+            <a:off x="6258154" y="1774945"/>
             <a:ext cx="5933846" cy="5096749"/>
           </a:xfrm>
           <a:prstGeom prst="rect">
@@ -35045,7 +35241,7 @@
                 <a:latin typeface="G마켓 산스 TTF Bold" panose="02000000000000000000" pitchFamily="2" charset="-127"/>
                 <a:ea typeface="G마켓 산스 TTF Bold" panose="02000000000000000000" pitchFamily="2" charset="-127"/>
               </a:rPr>
-              <a:t>4. </a:t>
+              <a:t>4) </a:t>
             </a:r>
             <a:r>
               <a:rPr lang="en-US" altLang="ko-KR" sz="1800" b="1" dirty="0" err="1" smtClean="0">
@@ -35505,6 +35701,85 @@
               <a:t> 추가</a:t>
             </a:r>
             <a:endParaRPr lang="ko-KR" altLang="en-US" sz="2400" dirty="0">
+              <a:latin typeface="G마켓 산스 TTF Bold" panose="02000000000000000000" pitchFamily="2" charset="-127"/>
+              <a:ea typeface="G마켓 산스 TTF Bold" panose="02000000000000000000" pitchFamily="2" charset="-127"/>
+            </a:endParaRPr>
+          </a:p>
+        </p:txBody>
+      </p:sp>
+      <p:sp>
+        <p:nvSpPr>
+          <p:cNvPr id="6" name="제목 1">
+            <a:extLst>
+              <a:ext uri="{FF2B5EF4-FFF2-40B4-BE49-F238E27FC236}">
+                <a16:creationId xmlns:a16="http://schemas.microsoft.com/office/drawing/2014/main" id="{0F15DE4D-6439-7476-2129-C2465A8AF469}"/>
+              </a:ext>
+            </a:extLst>
+          </p:cNvPr>
+          <p:cNvSpPr txBox="1">
+            <a:spLocks/>
+          </p:cNvSpPr>
+          <p:nvPr/>
+        </p:nvSpPr>
+        <p:spPr>
+          <a:xfrm>
+            <a:off x="399525" y="1321085"/>
+            <a:ext cx="3341472" cy="639136"/>
+          </a:xfrm>
+          <a:prstGeom prst="rect">
+            <a:avLst/>
+          </a:prstGeom>
+          <a:ln w="38100">
+            <a:noFill/>
+          </a:ln>
+        </p:spPr>
+        <p:txBody>
+          <a:bodyPr anchor="ctr">
+            <a:noAutofit/>
+          </a:bodyPr>
+          <a:lstStyle>
+            <a:lvl1pPr algn="l" defTabSz="914400" rtl="0" eaLnBrk="1" latinLnBrk="0" hangingPunct="1">
+              <a:lnSpc>
+                <a:spcPct val="110000"/>
+              </a:lnSpc>
+              <a:spcBef>
+                <a:spcPct val="0"/>
+              </a:spcBef>
+              <a:buNone/>
+              <a:defRPr sz="4400" kern="1200" spc="90">
+                <a:solidFill>
+                  <a:schemeClr val="tx1"/>
+                </a:solidFill>
+                <a:latin typeface="+mj-lt"/>
+                <a:ea typeface="+mj-ea"/>
+                <a:cs typeface="+mj-cs"/>
+              </a:defRPr>
+            </a:lvl1pPr>
+          </a:lstStyle>
+          <a:p>
+            <a:pPr algn="ctr"/>
+            <a:r>
+              <a:rPr lang="en-US" altLang="ko-KR" sz="2000" dirty="0" smtClean="0">
+                <a:latin typeface="G마켓 산스 TTF Bold" panose="02000000000000000000" pitchFamily="2" charset="-127"/>
+                <a:ea typeface="G마켓 산스 TTF Bold" panose="02000000000000000000" pitchFamily="2" charset="-127"/>
+              </a:rPr>
+              <a:t>4. </a:t>
+            </a:r>
+            <a:r>
+              <a:rPr lang="ko-KR" altLang="en-US" sz="2000" dirty="0" smtClean="0">
+                <a:latin typeface="G마켓 산스 TTF Bold" panose="02000000000000000000" pitchFamily="2" charset="-127"/>
+                <a:ea typeface="G마켓 산스 TTF Bold" panose="02000000000000000000" pitchFamily="2" charset="-127"/>
+              </a:rPr>
+              <a:t>사용 </a:t>
+            </a:r>
+            <a:r>
+              <a:rPr lang="ko-KR" altLang="en-US" sz="2000" dirty="0" smtClean="0">
+                <a:latin typeface="G마켓 산스 TTF Bold" panose="02000000000000000000" pitchFamily="2" charset="-127"/>
+                <a:ea typeface="G마켓 산스 TTF Bold" panose="02000000000000000000" pitchFamily="2" charset="-127"/>
+              </a:rPr>
+              <a:t>코드 서술</a:t>
+            </a:r>
+            <a:endParaRPr lang="ko-KR" altLang="en-US" sz="2000" dirty="0">
               <a:latin typeface="G마켓 산스 TTF Bold" panose="02000000000000000000" pitchFamily="2" charset="-127"/>
               <a:ea typeface="G마켓 산스 TTF Bold" panose="02000000000000000000" pitchFamily="2" charset="-127"/>
             </a:endParaRPr>
@@ -35874,7 +36149,7 @@
         </p:blipFill>
         <p:spPr>
           <a:xfrm>
-            <a:off x="0" y="2709000"/>
+            <a:off x="67235" y="2709000"/>
             <a:ext cx="5774118" cy="1440000"/>
           </a:xfrm>
           <a:prstGeom prst="rect">
@@ -35898,7 +36173,877 @@
         </p:nvSpPr>
         <p:spPr>
           <a:xfrm>
-            <a:off x="6258158" y="1465976"/>
+            <a:off x="6258154" y="2420718"/>
+            <a:ext cx="5933846" cy="2500906"/>
+          </a:xfrm>
+          <a:prstGeom prst="rect">
+            <a:avLst/>
+          </a:prstGeom>
+          <a:ln w="38100">
+            <a:noFill/>
+          </a:ln>
+        </p:spPr>
+        <p:txBody>
+          <a:bodyPr/>
+          <a:lstStyle>
+            <a:lvl1pPr marL="228600" indent="-228600" algn="l" defTabSz="914400" rtl="0" eaLnBrk="1" latinLnBrk="0" hangingPunct="1">
+              <a:lnSpc>
+                <a:spcPct val="105000"/>
+              </a:lnSpc>
+              <a:spcBef>
+                <a:spcPts val="1000"/>
+              </a:spcBef>
+              <a:buFont typeface="Arial" panose="020B0604020202020204" pitchFamily="34" charset="0"/>
+              <a:buChar char="•"/>
+              <a:defRPr sz="2600" kern="1200" spc="90">
+                <a:solidFill>
+                  <a:schemeClr val="tx1"/>
+                </a:solidFill>
+                <a:latin typeface="+mn-lt"/>
+                <a:ea typeface="+mn-ea"/>
+                <a:cs typeface="+mn-cs"/>
+              </a:defRPr>
+            </a:lvl1pPr>
+            <a:lvl2pPr marL="685800" indent="-228600" algn="l" defTabSz="914400" rtl="0" eaLnBrk="1" latinLnBrk="0" hangingPunct="1">
+              <a:lnSpc>
+                <a:spcPct val="105000"/>
+              </a:lnSpc>
+              <a:spcBef>
+                <a:spcPts val="500"/>
+              </a:spcBef>
+              <a:buFont typeface="Arial" panose="020B0604020202020204" pitchFamily="34" charset="0"/>
+              <a:buChar char="•"/>
+              <a:defRPr sz="2200" kern="1200" spc="90">
+                <a:solidFill>
+                  <a:schemeClr val="tx1"/>
+                </a:solidFill>
+                <a:latin typeface="+mn-lt"/>
+                <a:ea typeface="+mn-ea"/>
+                <a:cs typeface="+mn-cs"/>
+              </a:defRPr>
+            </a:lvl2pPr>
+            <a:lvl3pPr marL="1143000" indent="-228600" algn="l" defTabSz="914400" rtl="0" eaLnBrk="1" latinLnBrk="0" hangingPunct="1">
+              <a:lnSpc>
+                <a:spcPct val="105000"/>
+              </a:lnSpc>
+              <a:spcBef>
+                <a:spcPts val="500"/>
+              </a:spcBef>
+              <a:buFont typeface="Arial" panose="020B0604020202020204" pitchFamily="34" charset="0"/>
+              <a:buChar char="•"/>
+              <a:defRPr sz="2000" kern="1200" spc="90">
+                <a:solidFill>
+                  <a:schemeClr val="tx1"/>
+                </a:solidFill>
+                <a:latin typeface="+mn-lt"/>
+                <a:ea typeface="+mn-ea"/>
+                <a:cs typeface="+mn-cs"/>
+              </a:defRPr>
+            </a:lvl3pPr>
+            <a:lvl4pPr marL="1600200" indent="-228600" algn="l" defTabSz="914400" rtl="0" eaLnBrk="1" latinLnBrk="0" hangingPunct="1">
+              <a:lnSpc>
+                <a:spcPct val="105000"/>
+              </a:lnSpc>
+              <a:spcBef>
+                <a:spcPts val="500"/>
+              </a:spcBef>
+              <a:buFont typeface="Arial" panose="020B0604020202020204" pitchFamily="34" charset="0"/>
+              <a:buChar char="•"/>
+              <a:defRPr sz="1800" kern="1200" spc="90">
+                <a:solidFill>
+                  <a:schemeClr val="tx1"/>
+                </a:solidFill>
+                <a:latin typeface="+mn-lt"/>
+                <a:ea typeface="+mn-ea"/>
+                <a:cs typeface="+mn-cs"/>
+              </a:defRPr>
+            </a:lvl4pPr>
+            <a:lvl5pPr marL="2057400" indent="-228600" algn="l" defTabSz="914400" rtl="0" eaLnBrk="1" latinLnBrk="0" hangingPunct="1">
+              <a:lnSpc>
+                <a:spcPct val="105000"/>
+              </a:lnSpc>
+              <a:spcBef>
+                <a:spcPts val="500"/>
+              </a:spcBef>
+              <a:buFont typeface="Arial" panose="020B0604020202020204" pitchFamily="34" charset="0"/>
+              <a:buChar char="•"/>
+              <a:defRPr sz="1800" kern="1200" spc="90">
+                <a:solidFill>
+                  <a:schemeClr val="tx1"/>
+                </a:solidFill>
+                <a:latin typeface="+mn-lt"/>
+                <a:ea typeface="+mn-ea"/>
+                <a:cs typeface="+mn-cs"/>
+              </a:defRPr>
+            </a:lvl5pPr>
+            <a:lvl6pPr marL="2514600" indent="-228600" algn="l" defTabSz="914400" rtl="0" eaLnBrk="1" latinLnBrk="0" hangingPunct="1">
+              <a:lnSpc>
+                <a:spcPct val="90000"/>
+              </a:lnSpc>
+              <a:spcBef>
+                <a:spcPts val="500"/>
+              </a:spcBef>
+              <a:buFont typeface="Arial" panose="020B0604020202020204" pitchFamily="34" charset="0"/>
+              <a:buChar char="•"/>
+              <a:defRPr sz="1800" kern="1200">
+                <a:solidFill>
+                  <a:schemeClr val="tx1"/>
+                </a:solidFill>
+                <a:latin typeface="+mn-lt"/>
+                <a:ea typeface="+mn-ea"/>
+                <a:cs typeface="+mn-cs"/>
+              </a:defRPr>
+            </a:lvl6pPr>
+            <a:lvl7pPr marL="2971800" indent="-228600" algn="l" defTabSz="914400" rtl="0" eaLnBrk="1" latinLnBrk="0" hangingPunct="1">
+              <a:lnSpc>
+                <a:spcPct val="90000"/>
+              </a:lnSpc>
+              <a:spcBef>
+                <a:spcPts val="500"/>
+              </a:spcBef>
+              <a:buFont typeface="Arial" panose="020B0604020202020204" pitchFamily="34" charset="0"/>
+              <a:buChar char="•"/>
+              <a:defRPr sz="1800" kern="1200">
+                <a:solidFill>
+                  <a:schemeClr val="tx1"/>
+                </a:solidFill>
+                <a:latin typeface="+mn-lt"/>
+                <a:ea typeface="+mn-ea"/>
+                <a:cs typeface="+mn-cs"/>
+              </a:defRPr>
+            </a:lvl7pPr>
+            <a:lvl8pPr marL="3429000" indent="-228600" algn="l" defTabSz="914400" rtl="0" eaLnBrk="1" latinLnBrk="0" hangingPunct="1">
+              <a:lnSpc>
+                <a:spcPct val="90000"/>
+              </a:lnSpc>
+              <a:spcBef>
+                <a:spcPts val="500"/>
+              </a:spcBef>
+              <a:buFont typeface="Arial" panose="020B0604020202020204" pitchFamily="34" charset="0"/>
+              <a:buChar char="•"/>
+              <a:defRPr sz="1800" kern="1200">
+                <a:solidFill>
+                  <a:schemeClr val="tx1"/>
+                </a:solidFill>
+                <a:latin typeface="+mn-lt"/>
+                <a:ea typeface="+mn-ea"/>
+                <a:cs typeface="+mn-cs"/>
+              </a:defRPr>
+            </a:lvl8pPr>
+            <a:lvl9pPr marL="3886200" indent="-228600" algn="l" defTabSz="914400" rtl="0" eaLnBrk="1" latinLnBrk="0" hangingPunct="1">
+              <a:lnSpc>
+                <a:spcPct val="90000"/>
+              </a:lnSpc>
+              <a:spcBef>
+                <a:spcPts val="500"/>
+              </a:spcBef>
+              <a:buFont typeface="Arial" panose="020B0604020202020204" pitchFamily="34" charset="0"/>
+              <a:buChar char="•"/>
+              <a:defRPr sz="1800" kern="1200">
+                <a:solidFill>
+                  <a:schemeClr val="tx1"/>
+                </a:solidFill>
+                <a:latin typeface="+mn-lt"/>
+                <a:ea typeface="+mn-ea"/>
+                <a:cs typeface="+mn-cs"/>
+              </a:defRPr>
+            </a:lvl9pPr>
+          </a:lstStyle>
+          <a:p>
+            <a:pPr marL="0" indent="0">
+              <a:buNone/>
+            </a:pPr>
+            <a:r>
+              <a:rPr lang="en-US" altLang="ko-KR" sz="1800" b="1" dirty="0" smtClean="0">
+                <a:latin typeface="G마켓 산스 TTF Bold" panose="02000000000000000000" pitchFamily="2" charset="-127"/>
+                <a:ea typeface="G마켓 산스 TTF Bold" panose="02000000000000000000" pitchFamily="2" charset="-127"/>
+              </a:rPr>
+              <a:t>5) </a:t>
+            </a:r>
+            <a:r>
+              <a:rPr lang="en-US" altLang="ko-KR" sz="1800" b="1" dirty="0" err="1" smtClean="0">
+                <a:latin typeface="G마켓 산스 TTF Bold" panose="02000000000000000000" pitchFamily="2" charset="-127"/>
+                <a:ea typeface="G마켓 산스 TTF Bold" panose="02000000000000000000" pitchFamily="2" charset="-127"/>
+              </a:rPr>
+              <a:t>actionPerformed</a:t>
+            </a:r>
+            <a:r>
+              <a:rPr lang="en-US" altLang="ko-KR" sz="1800" b="1" dirty="0" smtClean="0">
+                <a:latin typeface="G마켓 산스 TTF Bold" panose="02000000000000000000" pitchFamily="2" charset="-127"/>
+                <a:ea typeface="G마켓 산스 TTF Bold" panose="02000000000000000000" pitchFamily="2" charset="-127"/>
+              </a:rPr>
+              <a:t> - Button </a:t>
+            </a:r>
+            <a:r>
+              <a:rPr lang="ko-KR" altLang="en-US" sz="1800" b="1" dirty="0" smtClean="0">
+                <a:latin typeface="G마켓 산스 TTF Bold" panose="02000000000000000000" pitchFamily="2" charset="-127"/>
+                <a:ea typeface="G마켓 산스 TTF Bold" panose="02000000000000000000" pitchFamily="2" charset="-127"/>
+              </a:rPr>
+              <a:t>이벤트</a:t>
+            </a:r>
+            <a:endParaRPr lang="en-US" altLang="ko-KR" sz="1800" b="1" dirty="0" smtClean="0">
+              <a:latin typeface="G마켓 산스 TTF Bold" panose="02000000000000000000" pitchFamily="2" charset="-127"/>
+              <a:ea typeface="G마켓 산스 TTF Bold" panose="02000000000000000000" pitchFamily="2" charset="-127"/>
+            </a:endParaRPr>
+          </a:p>
+          <a:p>
+            <a:r>
+              <a:rPr lang="en-US" altLang="ko-KR" sz="1600" dirty="0" smtClean="0">
+                <a:latin typeface="G마켓 산스 TTF Medium" panose="02000000000000000000" pitchFamily="2" charset="-127"/>
+                <a:ea typeface="G마켓 산스 TTF Medium" panose="02000000000000000000" pitchFamily="2" charset="-127"/>
+              </a:rPr>
+              <a:t>Object </a:t>
+            </a:r>
+            <a:r>
+              <a:rPr lang="en-US" altLang="ko-KR" sz="1600" dirty="0" err="1" smtClean="0">
+                <a:latin typeface="G마켓 산스 TTF Medium" panose="02000000000000000000" pitchFamily="2" charset="-127"/>
+                <a:ea typeface="G마켓 산스 TTF Medium" panose="02000000000000000000" pitchFamily="2" charset="-127"/>
+              </a:rPr>
+              <a:t>obj</a:t>
+            </a:r>
+            <a:r>
+              <a:rPr lang="en-US" altLang="ko-KR" sz="1600" dirty="0" smtClean="0">
+                <a:latin typeface="G마켓 산스 TTF Medium" panose="02000000000000000000" pitchFamily="2" charset="-127"/>
+                <a:ea typeface="G마켓 산스 TTF Medium" panose="02000000000000000000" pitchFamily="2" charset="-127"/>
+              </a:rPr>
+              <a:t> = </a:t>
+            </a:r>
+            <a:r>
+              <a:rPr lang="en-US" altLang="ko-KR" sz="1600" dirty="0" err="1" smtClean="0">
+                <a:latin typeface="G마켓 산스 TTF Medium" panose="02000000000000000000" pitchFamily="2" charset="-127"/>
+                <a:ea typeface="G마켓 산스 TTF Medium" panose="02000000000000000000" pitchFamily="2" charset="-127"/>
+              </a:rPr>
+              <a:t>e.getSource</a:t>
+            </a:r>
+            <a:endParaRPr lang="en-US" altLang="ko-KR" sz="1600" dirty="0" smtClean="0">
+              <a:latin typeface="G마켓 산스 TTF Medium" panose="02000000000000000000" pitchFamily="2" charset="-127"/>
+              <a:ea typeface="G마켓 산스 TTF Medium" panose="02000000000000000000" pitchFamily="2" charset="-127"/>
+            </a:endParaRPr>
+          </a:p>
+          <a:p>
+            <a:pPr marL="0" indent="0">
+              <a:buNone/>
+            </a:pPr>
+            <a:r>
+              <a:rPr lang="en-US" altLang="ko-KR" sz="1600" dirty="0" smtClean="0">
+                <a:latin typeface="G마켓 산스 TTF Medium" panose="02000000000000000000" pitchFamily="2" charset="-127"/>
+                <a:ea typeface="G마켓 산스 TTF Medium" panose="02000000000000000000" pitchFamily="2" charset="-127"/>
+              </a:rPr>
+              <a:t>: </a:t>
+            </a:r>
+            <a:r>
+              <a:rPr lang="ko-KR" altLang="en-US" sz="1600" dirty="0" smtClean="0">
+                <a:latin typeface="G마켓 산스 TTF Medium" panose="02000000000000000000" pitchFamily="2" charset="-127"/>
+                <a:ea typeface="G마켓 산스 TTF Medium" panose="02000000000000000000" pitchFamily="2" charset="-127"/>
+              </a:rPr>
+              <a:t>이벤트 발생원으로 </a:t>
+            </a:r>
+            <a:r>
+              <a:rPr lang="ko-KR" altLang="en-US" sz="1600" dirty="0">
+                <a:latin typeface="G마켓 산스 TTF Medium" panose="02000000000000000000" pitchFamily="2" charset="-127"/>
+                <a:ea typeface="G마켓 산스 TTF Medium" panose="02000000000000000000" pitchFamily="2" charset="-127"/>
+              </a:rPr>
+              <a:t>부터 </a:t>
+            </a:r>
+            <a:r>
+              <a:rPr lang="ko-KR" altLang="en-US" sz="1600" dirty="0" smtClean="0">
+                <a:latin typeface="G마켓 산스 TTF Medium" panose="02000000000000000000" pitchFamily="2" charset="-127"/>
+                <a:ea typeface="G마켓 산스 TTF Medium" panose="02000000000000000000" pitchFamily="2" charset="-127"/>
+              </a:rPr>
+              <a:t>소스를 가져옴</a:t>
+            </a:r>
+            <a:endParaRPr lang="en-US" altLang="ko-KR" sz="1600" dirty="0" smtClean="0">
+              <a:latin typeface="G마켓 산스 TTF Medium" panose="02000000000000000000" pitchFamily="2" charset="-127"/>
+              <a:ea typeface="G마켓 산스 TTF Medium" panose="02000000000000000000" pitchFamily="2" charset="-127"/>
+            </a:endParaRPr>
+          </a:p>
+          <a:p>
+            <a:r>
+              <a:rPr lang="en-US" altLang="ko-KR" sz="1600" dirty="0" smtClean="0">
+                <a:latin typeface="G마켓 산스 TTF Medium" panose="02000000000000000000" pitchFamily="2" charset="-127"/>
+                <a:ea typeface="G마켓 산스 TTF Medium" panose="02000000000000000000" pitchFamily="2" charset="-127"/>
+              </a:rPr>
+              <a:t>If</a:t>
+            </a:r>
+            <a:r>
+              <a:rPr lang="ko-KR" altLang="en-US" sz="1600" dirty="0" smtClean="0">
+                <a:latin typeface="G마켓 산스 TTF Medium" panose="02000000000000000000" pitchFamily="2" charset="-127"/>
+                <a:ea typeface="G마켓 산스 TTF Medium" panose="02000000000000000000" pitchFamily="2" charset="-127"/>
+              </a:rPr>
+              <a:t>문 </a:t>
+            </a:r>
+            <a:r>
+              <a:rPr lang="en-US" altLang="ko-KR" sz="1600" dirty="0" smtClean="0">
+                <a:latin typeface="G마켓 산스 TTF Medium" panose="02000000000000000000" pitchFamily="2" charset="-127"/>
+                <a:ea typeface="G마켓 산스 TTF Medium" panose="02000000000000000000" pitchFamily="2" charset="-127"/>
+              </a:rPr>
+              <a:t>:  </a:t>
+            </a:r>
+            <a:r>
+              <a:rPr lang="ko-KR" altLang="en-US" sz="1600" dirty="0" smtClean="0">
+                <a:latin typeface="G마켓 산스 TTF Medium" panose="02000000000000000000" pitchFamily="2" charset="-127"/>
+                <a:ea typeface="G마켓 산스 TTF Medium" panose="02000000000000000000" pitchFamily="2" charset="-127"/>
+              </a:rPr>
+              <a:t>이벤트가 </a:t>
+            </a:r>
+            <a:r>
+              <a:rPr lang="ko-KR" altLang="en-US" sz="1600" dirty="0">
+                <a:latin typeface="G마켓 산스 TTF Medium" panose="02000000000000000000" pitchFamily="2" charset="-127"/>
+                <a:ea typeface="G마켓 산스 TTF Medium" panose="02000000000000000000" pitchFamily="2" charset="-127"/>
+              </a:rPr>
+              <a:t>버튼을 누른다면 </a:t>
+            </a:r>
+            <a:r>
+              <a:rPr lang="en-US" altLang="ko-KR" sz="1600" dirty="0">
+                <a:latin typeface="G마켓 산스 TTF Medium" panose="02000000000000000000" pitchFamily="2" charset="-127"/>
+                <a:ea typeface="G마켓 산스 TTF Medium" panose="02000000000000000000" pitchFamily="2" charset="-127"/>
+              </a:rPr>
+              <a:t>or </a:t>
+            </a:r>
+            <a:r>
+              <a:rPr lang="ko-KR" altLang="en-US" sz="1600" dirty="0" err="1">
+                <a:latin typeface="G마켓 산스 TTF Medium" panose="02000000000000000000" pitchFamily="2" charset="-127"/>
+                <a:ea typeface="G마켓 산스 TTF Medium" panose="02000000000000000000" pitchFamily="2" charset="-127"/>
+              </a:rPr>
+              <a:t>엔터를</a:t>
+            </a:r>
+            <a:r>
+              <a:rPr lang="ko-KR" altLang="en-US" sz="1600" dirty="0">
+                <a:latin typeface="G마켓 산스 TTF Medium" panose="02000000000000000000" pitchFamily="2" charset="-127"/>
+                <a:ea typeface="G마켓 산스 TTF Medium" panose="02000000000000000000" pitchFamily="2" charset="-127"/>
+              </a:rPr>
+              <a:t> </a:t>
+            </a:r>
+            <a:r>
+              <a:rPr lang="ko-KR" altLang="en-US" sz="1600" dirty="0" smtClean="0">
+                <a:latin typeface="G마켓 산스 TTF Medium" panose="02000000000000000000" pitchFamily="2" charset="-127"/>
+                <a:ea typeface="G마켓 산스 TTF Medium" panose="02000000000000000000" pitchFamily="2" charset="-127"/>
+              </a:rPr>
+              <a:t>누른다면</a:t>
+            </a:r>
+            <a:endParaRPr lang="en-US" altLang="ko-KR" sz="1600" dirty="0" smtClean="0">
+              <a:latin typeface="G마켓 산스 TTF Medium" panose="02000000000000000000" pitchFamily="2" charset="-127"/>
+              <a:ea typeface="G마켓 산스 TTF Medium" panose="02000000000000000000" pitchFamily="2" charset="-127"/>
+            </a:endParaRPr>
+          </a:p>
+          <a:p>
+            <a:pPr marL="0" indent="0">
+              <a:buNone/>
+            </a:pPr>
+            <a:r>
+              <a:rPr lang="en-US" altLang="ko-KR" sz="1600" dirty="0" smtClean="0">
+                <a:latin typeface="G마켓 산스 TTF Medium" panose="02000000000000000000" pitchFamily="2" charset="-127"/>
+                <a:ea typeface="G마켓 산스 TTF Medium" panose="02000000000000000000" pitchFamily="2" charset="-127"/>
+              </a:rPr>
+              <a:t>	</a:t>
+            </a:r>
+            <a:r>
+              <a:rPr lang="en-US" altLang="ko-KR" sz="1600" dirty="0" err="1" smtClean="0">
+                <a:latin typeface="G마켓 산스 TTF Medium" panose="02000000000000000000" pitchFamily="2" charset="-127"/>
+                <a:ea typeface="G마켓 산스 TTF Medium" panose="02000000000000000000" pitchFamily="2" charset="-127"/>
+              </a:rPr>
+              <a:t>sendMessage</a:t>
+            </a:r>
+            <a:r>
+              <a:rPr lang="ko-KR" altLang="en-US" sz="1600" dirty="0" smtClean="0">
+                <a:latin typeface="G마켓 산스 TTF Medium" panose="02000000000000000000" pitchFamily="2" charset="-127"/>
+                <a:ea typeface="G마켓 산스 TTF Medium" panose="02000000000000000000" pitchFamily="2" charset="-127"/>
+              </a:rPr>
+              <a:t>함수 실행</a:t>
+            </a:r>
+            <a:endParaRPr lang="en-US" altLang="ko-KR" sz="1600" dirty="0" smtClean="0">
+              <a:latin typeface="G마켓 산스 TTF Medium" panose="02000000000000000000" pitchFamily="2" charset="-127"/>
+              <a:ea typeface="G마켓 산스 TTF Medium" panose="02000000000000000000" pitchFamily="2" charset="-127"/>
+            </a:endParaRPr>
+          </a:p>
+          <a:p>
+            <a:pPr marL="0" indent="0">
+              <a:buNone/>
+            </a:pPr>
+            <a:endParaRPr lang="en-US" altLang="ko-KR" sz="1600" dirty="0" smtClean="0">
+              <a:latin typeface="G마켓 산스 TTF Medium" panose="02000000000000000000" pitchFamily="2" charset="-127"/>
+              <a:ea typeface="G마켓 산스 TTF Medium" panose="02000000000000000000" pitchFamily="2" charset="-127"/>
+            </a:endParaRPr>
+          </a:p>
+          <a:p>
+            <a:pPr marL="457200" indent="-457200">
+              <a:buFont typeface="+mj-lt"/>
+              <a:buAutoNum type="arabicParenR"/>
+            </a:pPr>
+            <a:endParaRPr lang="ko-KR" altLang="en-US" dirty="0">
+              <a:latin typeface="G마켓 산스 TTF Bold" panose="02000000000000000000" pitchFamily="2" charset="-127"/>
+              <a:ea typeface="G마켓 산스 TTF Bold" panose="02000000000000000000" pitchFamily="2" charset="-127"/>
+            </a:endParaRPr>
+          </a:p>
+        </p:txBody>
+      </p:sp>
+      <p:sp>
+        <p:nvSpPr>
+          <p:cNvPr id="6" name="제목 1">
+            <a:extLst>
+              <a:ext uri="{FF2B5EF4-FFF2-40B4-BE49-F238E27FC236}">
+                <a16:creationId xmlns:a16="http://schemas.microsoft.com/office/drawing/2014/main" id="{0F15DE4D-6439-7476-2129-C2465A8AF469}"/>
+              </a:ext>
+            </a:extLst>
+          </p:cNvPr>
+          <p:cNvSpPr txBox="1">
+            <a:spLocks/>
+          </p:cNvSpPr>
+          <p:nvPr/>
+        </p:nvSpPr>
+        <p:spPr>
+          <a:xfrm>
+            <a:off x="399525" y="1321085"/>
+            <a:ext cx="3341472" cy="639136"/>
+          </a:xfrm>
+          <a:prstGeom prst="rect">
+            <a:avLst/>
+          </a:prstGeom>
+          <a:ln w="38100">
+            <a:noFill/>
+          </a:ln>
+        </p:spPr>
+        <p:txBody>
+          <a:bodyPr anchor="ctr">
+            <a:noAutofit/>
+          </a:bodyPr>
+          <a:lstStyle>
+            <a:lvl1pPr algn="l" defTabSz="914400" rtl="0" eaLnBrk="1" latinLnBrk="0" hangingPunct="1">
+              <a:lnSpc>
+                <a:spcPct val="110000"/>
+              </a:lnSpc>
+              <a:spcBef>
+                <a:spcPct val="0"/>
+              </a:spcBef>
+              <a:buNone/>
+              <a:defRPr sz="4400" kern="1200" spc="90">
+                <a:solidFill>
+                  <a:schemeClr val="tx1"/>
+                </a:solidFill>
+                <a:latin typeface="+mj-lt"/>
+                <a:ea typeface="+mj-ea"/>
+                <a:cs typeface="+mj-cs"/>
+              </a:defRPr>
+            </a:lvl1pPr>
+          </a:lstStyle>
+          <a:p>
+            <a:pPr algn="ctr"/>
+            <a:r>
+              <a:rPr lang="en-US" altLang="ko-KR" sz="2000" dirty="0" smtClean="0">
+                <a:latin typeface="G마켓 산스 TTF Bold" panose="02000000000000000000" pitchFamily="2" charset="-127"/>
+                <a:ea typeface="G마켓 산스 TTF Bold" panose="02000000000000000000" pitchFamily="2" charset="-127"/>
+              </a:rPr>
+              <a:t>4. </a:t>
+            </a:r>
+            <a:r>
+              <a:rPr lang="ko-KR" altLang="en-US" sz="2000" dirty="0" smtClean="0">
+                <a:latin typeface="G마켓 산스 TTF Bold" panose="02000000000000000000" pitchFamily="2" charset="-127"/>
+                <a:ea typeface="G마켓 산스 TTF Bold" panose="02000000000000000000" pitchFamily="2" charset="-127"/>
+              </a:rPr>
+              <a:t>사용 </a:t>
+            </a:r>
+            <a:r>
+              <a:rPr lang="ko-KR" altLang="en-US" sz="2000" dirty="0" smtClean="0">
+                <a:latin typeface="G마켓 산스 TTF Bold" panose="02000000000000000000" pitchFamily="2" charset="-127"/>
+                <a:ea typeface="G마켓 산스 TTF Bold" panose="02000000000000000000" pitchFamily="2" charset="-127"/>
+              </a:rPr>
+              <a:t>코드 서술</a:t>
+            </a:r>
+            <a:endParaRPr lang="ko-KR" altLang="en-US" sz="2000" dirty="0">
+              <a:latin typeface="G마켓 산스 TTF Bold" panose="02000000000000000000" pitchFamily="2" charset="-127"/>
+              <a:ea typeface="G마켓 산스 TTF Bold" panose="02000000000000000000" pitchFamily="2" charset="-127"/>
+            </a:endParaRPr>
+          </a:p>
+        </p:txBody>
+      </p:sp>
+    </p:spTree>
+    <p:extLst>
+      <p:ext uri="{BB962C8B-B14F-4D97-AF65-F5344CB8AC3E}">
+        <p14:creationId xmlns:p14="http://schemas.microsoft.com/office/powerpoint/2010/main" val="69217790"/>
+      </p:ext>
+    </p:extLst>
+  </p:cSld>
+  <p:clrMapOvr>
+    <a:masterClrMapping/>
+  </p:clrMapOvr>
+</p:sld>
+</file>
+
+<file path=ppt/slides/slide42.xml><?xml version="1.0" encoding="utf-8"?>
+<p:sld xmlns:a="http://schemas.openxmlformats.org/drawingml/2006/main" xmlns:r="http://schemas.openxmlformats.org/officeDocument/2006/relationships" xmlns:p="http://schemas.openxmlformats.org/presentationml/2006/main">
+  <p:cSld>
+    <p:spTree>
+      <p:nvGrpSpPr>
+        <p:cNvPr id="1" name=""/>
+        <p:cNvGrpSpPr/>
+        <p:nvPr/>
+      </p:nvGrpSpPr>
+      <p:grpSpPr>
+        <a:xfrm>
+          <a:off x="0" y="0"/>
+          <a:ext cx="0" cy="0"/>
+          <a:chOff x="0" y="0"/>
+          <a:chExt cx="0" cy="0"/>
+        </a:xfrm>
+      </p:grpSpPr>
+      <p:graphicFrame>
+        <p:nvGraphicFramePr>
+          <p:cNvPr id="2" name="표 1">
+            <a:extLst>
+              <a:ext uri="{FF2B5EF4-FFF2-40B4-BE49-F238E27FC236}">
+                <a16:creationId xmlns:a16="http://schemas.microsoft.com/office/drawing/2014/main" id="{9F71B751-121F-AEB5-70A3-7117E3478E4B}"/>
+              </a:ext>
+            </a:extLst>
+          </p:cNvPr>
+          <p:cNvGraphicFramePr>
+            <a:graphicFrameLocks noGrp="1"/>
+          </p:cNvGraphicFramePr>
+          <p:nvPr>
+            <p:extLst/>
+          </p:nvPr>
+        </p:nvGraphicFramePr>
+        <p:xfrm>
+          <a:off x="0" y="0"/>
+          <a:ext cx="12192004" cy="365760"/>
+        </p:xfrm>
+        <a:graphic>
+          <a:graphicData uri="http://schemas.openxmlformats.org/drawingml/2006/table">
+            <a:tbl>
+              <a:tblPr firstRow="1" bandRow="1">
+                <a:tableStyleId>{5C22544A-7EE6-4342-B048-85BDC9FD1C3A}</a:tableStyleId>
+              </a:tblPr>
+              <a:tblGrid>
+                <a:gridCol w="3048001">
+                  <a:extLst>
+                    <a:ext uri="{9D8B030D-6E8A-4147-A177-3AD203B41FA5}">
+                      <a16:colId xmlns:a16="http://schemas.microsoft.com/office/drawing/2014/main" val="2897943366"/>
+                    </a:ext>
+                  </a:extLst>
+                </a:gridCol>
+                <a:gridCol w="3048001">
+                  <a:extLst>
+                    <a:ext uri="{9D8B030D-6E8A-4147-A177-3AD203B41FA5}">
+                      <a16:colId xmlns:a16="http://schemas.microsoft.com/office/drawing/2014/main" val="3476757448"/>
+                    </a:ext>
+                  </a:extLst>
+                </a:gridCol>
+                <a:gridCol w="3048001">
+                  <a:extLst>
+                    <a:ext uri="{9D8B030D-6E8A-4147-A177-3AD203B41FA5}">
+                      <a16:colId xmlns:a16="http://schemas.microsoft.com/office/drawing/2014/main" val="2093659269"/>
+                    </a:ext>
+                  </a:extLst>
+                </a:gridCol>
+                <a:gridCol w="3048001">
+                  <a:extLst>
+                    <a:ext uri="{9D8B030D-6E8A-4147-A177-3AD203B41FA5}">
+                      <a16:colId xmlns:a16="http://schemas.microsoft.com/office/drawing/2014/main" val="1447057663"/>
+                    </a:ext>
+                  </a:extLst>
+                </a:gridCol>
+              </a:tblGrid>
+              <a:tr h="243281">
+                <a:tc>
+                  <a:txBody>
+                    <a:bodyPr/>
+                    <a:lstStyle/>
+                    <a:p>
+                      <a:pPr latinLnBrk="1"/>
+                      <a:endParaRPr lang="ko-KR" altLang="en-US" dirty="0"/>
+                    </a:p>
+                  </a:txBody>
+                  <a:tcPr>
+                    <a:lnL w="12700" cmpd="sng">
+                      <a:noFill/>
+                    </a:lnL>
+                    <a:lnR w="28575" cap="flat" cmpd="sng" algn="ctr">
+                      <a:solidFill>
+                        <a:schemeClr val="bg1"/>
+                      </a:solidFill>
+                      <a:prstDash val="solid"/>
+                      <a:round/>
+                      <a:headEnd type="none" w="med" len="med"/>
+                      <a:tailEnd type="none" w="med" len="med"/>
+                    </a:lnR>
+                    <a:lnT w="12700" cmpd="sng">
+                      <a:noFill/>
+                    </a:lnT>
+                    <a:lnB w="38100" cmpd="sng">
+                      <a:noFill/>
+                    </a:lnB>
+                    <a:lnTlToBr w="12700" cmpd="sng">
+                      <a:noFill/>
+                      <a:prstDash val="solid"/>
+                    </a:lnTlToBr>
+                    <a:lnBlToTr w="12700" cmpd="sng">
+                      <a:noFill/>
+                      <a:prstDash val="solid"/>
+                    </a:lnBlToTr>
+                  </a:tcPr>
+                </a:tc>
+                <a:tc>
+                  <a:txBody>
+                    <a:bodyPr/>
+                    <a:lstStyle/>
+                    <a:p>
+                      <a:pPr latinLnBrk="1"/>
+                      <a:endParaRPr lang="ko-KR" altLang="en-US" dirty="0"/>
+                    </a:p>
+                  </a:txBody>
+                  <a:tcPr>
+                    <a:lnL w="28575" cap="flat" cmpd="sng" algn="ctr">
+                      <a:solidFill>
+                        <a:schemeClr val="bg1"/>
+                      </a:solidFill>
+                      <a:prstDash val="solid"/>
+                      <a:round/>
+                      <a:headEnd type="none" w="med" len="med"/>
+                      <a:tailEnd type="none" w="med" len="med"/>
+                    </a:lnL>
+                    <a:lnR w="28575" cap="flat" cmpd="sng" algn="ctr">
+                      <a:solidFill>
+                        <a:schemeClr val="bg1"/>
+                      </a:solidFill>
+                      <a:prstDash val="solid"/>
+                      <a:round/>
+                      <a:headEnd type="none" w="med" len="med"/>
+                      <a:tailEnd type="none" w="med" len="med"/>
+                    </a:lnR>
+                    <a:lnT w="12700" cmpd="sng">
+                      <a:noFill/>
+                    </a:lnT>
+                    <a:lnB w="38100" cmpd="sng">
+                      <a:noFill/>
+                    </a:lnB>
+                    <a:lnTlToBr w="12700" cmpd="sng">
+                      <a:noFill/>
+                      <a:prstDash val="solid"/>
+                    </a:lnTlToBr>
+                    <a:lnBlToTr w="12700" cmpd="sng">
+                      <a:noFill/>
+                      <a:prstDash val="solid"/>
+                    </a:lnBlToTr>
+                    <a:solidFill>
+                      <a:srgbClr val="E4650E"/>
+                    </a:solidFill>
+                  </a:tcPr>
+                </a:tc>
+                <a:tc>
+                  <a:txBody>
+                    <a:bodyPr/>
+                    <a:lstStyle/>
+                    <a:p>
+                      <a:pPr latinLnBrk="1"/>
+                      <a:endParaRPr lang="ko-KR" altLang="en-US" dirty="0"/>
+                    </a:p>
+                  </a:txBody>
+                  <a:tcPr>
+                    <a:lnL w="28575" cap="flat" cmpd="sng" algn="ctr">
+                      <a:solidFill>
+                        <a:schemeClr val="bg1"/>
+                      </a:solidFill>
+                      <a:prstDash val="solid"/>
+                      <a:round/>
+                      <a:headEnd type="none" w="med" len="med"/>
+                      <a:tailEnd type="none" w="med" len="med"/>
+                    </a:lnL>
+                    <a:lnR w="28575" cap="flat" cmpd="sng" algn="ctr">
+                      <a:solidFill>
+                        <a:schemeClr val="bg1"/>
+                      </a:solidFill>
+                      <a:prstDash val="solid"/>
+                      <a:round/>
+                      <a:headEnd type="none" w="med" len="med"/>
+                      <a:tailEnd type="none" w="med" len="med"/>
+                    </a:lnR>
+                    <a:lnT w="12700" cmpd="sng">
+                      <a:noFill/>
+                    </a:lnT>
+                    <a:lnB w="38100" cmpd="sng">
+                      <a:noFill/>
+                    </a:lnB>
+                    <a:lnTlToBr w="12700" cmpd="sng">
+                      <a:noFill/>
+                      <a:prstDash val="solid"/>
+                    </a:lnTlToBr>
+                    <a:lnBlToTr w="12700" cmpd="sng">
+                      <a:noFill/>
+                      <a:prstDash val="solid"/>
+                    </a:lnBlToTr>
+                    <a:solidFill>
+                      <a:srgbClr val="E4650E"/>
+                    </a:solidFill>
+                  </a:tcPr>
+                </a:tc>
+                <a:tc>
+                  <a:txBody>
+                    <a:bodyPr/>
+                    <a:lstStyle/>
+                    <a:p>
+                      <a:pPr latinLnBrk="1"/>
+                      <a:endParaRPr lang="ko-KR" altLang="en-US" dirty="0"/>
+                    </a:p>
+                  </a:txBody>
+                  <a:tcPr>
+                    <a:lnL w="28575" cap="flat" cmpd="sng" algn="ctr">
+                      <a:solidFill>
+                        <a:schemeClr val="bg1"/>
+                      </a:solidFill>
+                      <a:prstDash val="solid"/>
+                      <a:round/>
+                      <a:headEnd type="none" w="med" len="med"/>
+                      <a:tailEnd type="none" w="med" len="med"/>
+                    </a:lnL>
+                    <a:lnR w="12700" cmpd="sng">
+                      <a:noFill/>
+                    </a:lnR>
+                    <a:lnT w="12700" cmpd="sng">
+                      <a:noFill/>
+                    </a:lnT>
+                    <a:lnB w="38100" cmpd="sng">
+                      <a:noFill/>
+                    </a:lnB>
+                    <a:lnTlToBr w="12700" cmpd="sng">
+                      <a:noFill/>
+                      <a:prstDash val="solid"/>
+                    </a:lnTlToBr>
+                    <a:lnBlToTr w="12700" cmpd="sng">
+                      <a:noFill/>
+                      <a:prstDash val="solid"/>
+                    </a:lnBlToTr>
+                    <a:solidFill>
+                      <a:schemeClr val="bg1">
+                        <a:lumMod val="85000"/>
+                      </a:schemeClr>
+                    </a:solidFill>
+                  </a:tcPr>
+                </a:tc>
+                <a:extLst>
+                  <a:ext uri="{0D108BD9-81ED-4DB2-BD59-A6C34878D82A}">
+                    <a16:rowId xmlns:a16="http://schemas.microsoft.com/office/drawing/2014/main" val="3765831902"/>
+                  </a:ext>
+                </a:extLst>
+              </a:tr>
+            </a:tbl>
+          </a:graphicData>
+        </a:graphic>
+      </p:graphicFrame>
+      <p:sp>
+        <p:nvSpPr>
+          <p:cNvPr id="3" name="TextBox 2">
+            <a:extLst>
+              <a:ext uri="{FF2B5EF4-FFF2-40B4-BE49-F238E27FC236}">
+                <a16:creationId xmlns:a16="http://schemas.microsoft.com/office/drawing/2014/main" id="{CD0E8476-3BE3-3B40-FEE5-2F0B43093017}"/>
+              </a:ext>
+            </a:extLst>
+          </p:cNvPr>
+          <p:cNvSpPr txBox="1"/>
+          <p:nvPr/>
+        </p:nvSpPr>
+        <p:spPr>
+          <a:xfrm>
+            <a:off x="749417" y="604202"/>
+            <a:ext cx="10693166" cy="861774"/>
+          </a:xfrm>
+          <a:prstGeom prst="rect">
+            <a:avLst/>
+          </a:prstGeom>
+          <a:noFill/>
+        </p:spPr>
+        <p:txBody>
+          <a:bodyPr wrap="square" rtlCol="0">
+            <a:spAutoFit/>
+          </a:bodyPr>
+          <a:lstStyle/>
+          <a:p>
+            <a:pPr algn="ctr"/>
+            <a:r>
+              <a:rPr lang="ko-KR" altLang="en-US" sz="5000" dirty="0">
+                <a:solidFill>
+                  <a:srgbClr val="E4650E"/>
+                </a:solidFill>
+                <a:latin typeface="G마켓 산스 TTF Bold" panose="02000000000000000000" pitchFamily="2" charset="-127"/>
+                <a:ea typeface="G마켓 산스 TTF Bold" panose="02000000000000000000" pitchFamily="2" charset="-127"/>
+              </a:rPr>
+              <a:t>코드 소개 </a:t>
+            </a:r>
+            <a:r>
+              <a:rPr lang="en-US" altLang="ko-KR" sz="5000" dirty="0">
+                <a:solidFill>
+                  <a:srgbClr val="E4650E"/>
+                </a:solidFill>
+                <a:latin typeface="G마켓 산스 TTF Bold" panose="02000000000000000000" pitchFamily="2" charset="-127"/>
+                <a:ea typeface="G마켓 산스 TTF Bold" panose="02000000000000000000" pitchFamily="2" charset="-127"/>
+              </a:rPr>
+              <a:t>– </a:t>
+            </a:r>
+            <a:r>
+              <a:rPr lang="en-US" altLang="ko-KR" sz="5000" dirty="0" err="1" smtClean="0">
+                <a:solidFill>
+                  <a:srgbClr val="E4650E"/>
+                </a:solidFill>
+                <a:latin typeface="G마켓 산스 TTF Bold" panose="02000000000000000000" pitchFamily="2" charset="-127"/>
+                <a:ea typeface="G마켓 산스 TTF Bold" panose="02000000000000000000" pitchFamily="2" charset="-127"/>
+              </a:rPr>
+              <a:t>SwingClientApp</a:t>
+            </a:r>
+            <a:endParaRPr lang="ko-KR" altLang="en-US" sz="5000" dirty="0">
+              <a:solidFill>
+                <a:srgbClr val="E4650E"/>
+              </a:solidFill>
+              <a:latin typeface="G마켓 산스 TTF Bold" panose="02000000000000000000" pitchFamily="2" charset="-127"/>
+              <a:ea typeface="G마켓 산스 TTF Bold" panose="02000000000000000000" pitchFamily="2" charset="-127"/>
+            </a:endParaRPr>
+          </a:p>
+        </p:txBody>
+      </p:sp>
+      <p:pic>
+        <p:nvPicPr>
+          <p:cNvPr id="7" name="그림 6">
+            <a:extLst>
+              <a:ext uri="{FF2B5EF4-FFF2-40B4-BE49-F238E27FC236}">
+                <a16:creationId xmlns:a16="http://schemas.microsoft.com/office/drawing/2014/main" id="{F0CAFCF0-63D8-91A8-7D52-EA50ACF5321A}"/>
+              </a:ext>
+            </a:extLst>
+          </p:cNvPr>
+          <p:cNvPicPr>
+            <a:picLocks noChangeAspect="1"/>
+          </p:cNvPicPr>
+          <p:nvPr/>
+        </p:nvPicPr>
+        <p:blipFill>
+          <a:blip r:embed="rId2"/>
+          <a:stretch>
+            <a:fillRect/>
+          </a:stretch>
+        </p:blipFill>
+        <p:spPr>
+          <a:xfrm>
+            <a:off x="67235" y="1903129"/>
+            <a:ext cx="6116211" cy="3240000"/>
+          </a:xfrm>
+          <a:prstGeom prst="rect">
+            <a:avLst/>
+          </a:prstGeom>
+        </p:spPr>
+      </p:pic>
+      <p:sp>
+        <p:nvSpPr>
+          <p:cNvPr id="8" name="부제목 2">
+            <a:extLst>
+              <a:ext uri="{FF2B5EF4-FFF2-40B4-BE49-F238E27FC236}">
+                <a16:creationId xmlns:a16="http://schemas.microsoft.com/office/drawing/2014/main" id="{A8E6C0A9-8ACE-CA20-A318-4708C055E062}"/>
+              </a:ext>
+            </a:extLst>
+          </p:cNvPr>
+          <p:cNvSpPr txBox="1">
+            <a:spLocks/>
+          </p:cNvSpPr>
+          <p:nvPr/>
+        </p:nvSpPr>
+        <p:spPr>
+          <a:xfrm>
+            <a:off x="6258158" y="1788392"/>
             <a:ext cx="5933846" cy="5096749"/>
           </a:xfrm>
           <a:prstGeom prst="rect">
@@ -36083,798 +37228,7 @@
                 <a:latin typeface="G마켓 산스 TTF Bold" panose="02000000000000000000" pitchFamily="2" charset="-127"/>
                 <a:ea typeface="G마켓 산스 TTF Bold" panose="02000000000000000000" pitchFamily="2" charset="-127"/>
               </a:rPr>
-              <a:t>5. </a:t>
-            </a:r>
-            <a:r>
-              <a:rPr lang="en-US" altLang="ko-KR" sz="1800" b="1" dirty="0" err="1" smtClean="0">
-                <a:latin typeface="G마켓 산스 TTF Bold" panose="02000000000000000000" pitchFamily="2" charset="-127"/>
-                <a:ea typeface="G마켓 산스 TTF Bold" panose="02000000000000000000" pitchFamily="2" charset="-127"/>
-              </a:rPr>
-              <a:t>actionPerformed</a:t>
-            </a:r>
-            <a:r>
-              <a:rPr lang="en-US" altLang="ko-KR" sz="1800" b="1" dirty="0" smtClean="0">
-                <a:latin typeface="G마켓 산스 TTF Bold" panose="02000000000000000000" pitchFamily="2" charset="-127"/>
-                <a:ea typeface="G마켓 산스 TTF Bold" panose="02000000000000000000" pitchFamily="2" charset="-127"/>
-              </a:rPr>
-              <a:t> - Button </a:t>
-            </a:r>
-            <a:r>
-              <a:rPr lang="ko-KR" altLang="en-US" sz="1800" b="1" dirty="0" smtClean="0">
-                <a:latin typeface="G마켓 산스 TTF Bold" panose="02000000000000000000" pitchFamily="2" charset="-127"/>
-                <a:ea typeface="G마켓 산스 TTF Bold" panose="02000000000000000000" pitchFamily="2" charset="-127"/>
-              </a:rPr>
-              <a:t>이벤트</a:t>
-            </a:r>
-            <a:endParaRPr lang="en-US" altLang="ko-KR" sz="1800" b="1" dirty="0" smtClean="0">
-              <a:latin typeface="G마켓 산스 TTF Bold" panose="02000000000000000000" pitchFamily="2" charset="-127"/>
-              <a:ea typeface="G마켓 산스 TTF Bold" panose="02000000000000000000" pitchFamily="2" charset="-127"/>
-            </a:endParaRPr>
-          </a:p>
-          <a:p>
-            <a:r>
-              <a:rPr lang="en-US" altLang="ko-KR" sz="1600" dirty="0" smtClean="0">
-                <a:latin typeface="G마켓 산스 TTF Medium" panose="02000000000000000000" pitchFamily="2" charset="-127"/>
-                <a:ea typeface="G마켓 산스 TTF Medium" panose="02000000000000000000" pitchFamily="2" charset="-127"/>
-              </a:rPr>
-              <a:t>Object </a:t>
-            </a:r>
-            <a:r>
-              <a:rPr lang="en-US" altLang="ko-KR" sz="1600" dirty="0" err="1" smtClean="0">
-                <a:latin typeface="G마켓 산스 TTF Medium" panose="02000000000000000000" pitchFamily="2" charset="-127"/>
-                <a:ea typeface="G마켓 산스 TTF Medium" panose="02000000000000000000" pitchFamily="2" charset="-127"/>
-              </a:rPr>
-              <a:t>obj</a:t>
-            </a:r>
-            <a:r>
-              <a:rPr lang="en-US" altLang="ko-KR" sz="1600" dirty="0" smtClean="0">
-                <a:latin typeface="G마켓 산스 TTF Medium" panose="02000000000000000000" pitchFamily="2" charset="-127"/>
-                <a:ea typeface="G마켓 산스 TTF Medium" panose="02000000000000000000" pitchFamily="2" charset="-127"/>
-              </a:rPr>
-              <a:t> = </a:t>
-            </a:r>
-            <a:r>
-              <a:rPr lang="en-US" altLang="ko-KR" sz="1600" dirty="0" err="1" smtClean="0">
-                <a:latin typeface="G마켓 산스 TTF Medium" panose="02000000000000000000" pitchFamily="2" charset="-127"/>
-                <a:ea typeface="G마켓 산스 TTF Medium" panose="02000000000000000000" pitchFamily="2" charset="-127"/>
-              </a:rPr>
-              <a:t>e.getSource</a:t>
-            </a:r>
-            <a:endParaRPr lang="en-US" altLang="ko-KR" sz="1600" dirty="0" smtClean="0">
-              <a:latin typeface="G마켓 산스 TTF Medium" panose="02000000000000000000" pitchFamily="2" charset="-127"/>
-              <a:ea typeface="G마켓 산스 TTF Medium" panose="02000000000000000000" pitchFamily="2" charset="-127"/>
-            </a:endParaRPr>
-          </a:p>
-          <a:p>
-            <a:pPr marL="0" indent="0">
-              <a:buNone/>
-            </a:pPr>
-            <a:r>
-              <a:rPr lang="en-US" altLang="ko-KR" sz="1600" dirty="0" smtClean="0">
-                <a:latin typeface="G마켓 산스 TTF Medium" panose="02000000000000000000" pitchFamily="2" charset="-127"/>
-                <a:ea typeface="G마켓 산스 TTF Medium" panose="02000000000000000000" pitchFamily="2" charset="-127"/>
-              </a:rPr>
-              <a:t>: </a:t>
-            </a:r>
-            <a:r>
-              <a:rPr lang="ko-KR" altLang="en-US" sz="1600" dirty="0" smtClean="0">
-                <a:latin typeface="G마켓 산스 TTF Medium" panose="02000000000000000000" pitchFamily="2" charset="-127"/>
-                <a:ea typeface="G마켓 산스 TTF Medium" panose="02000000000000000000" pitchFamily="2" charset="-127"/>
-              </a:rPr>
-              <a:t>이벤트 발생원으로 </a:t>
-            </a:r>
-            <a:r>
-              <a:rPr lang="ko-KR" altLang="en-US" sz="1600" dirty="0">
-                <a:latin typeface="G마켓 산스 TTF Medium" panose="02000000000000000000" pitchFamily="2" charset="-127"/>
-                <a:ea typeface="G마켓 산스 TTF Medium" panose="02000000000000000000" pitchFamily="2" charset="-127"/>
-              </a:rPr>
-              <a:t>부터 </a:t>
-            </a:r>
-            <a:r>
-              <a:rPr lang="ko-KR" altLang="en-US" sz="1600" dirty="0" smtClean="0">
-                <a:latin typeface="G마켓 산스 TTF Medium" panose="02000000000000000000" pitchFamily="2" charset="-127"/>
-                <a:ea typeface="G마켓 산스 TTF Medium" panose="02000000000000000000" pitchFamily="2" charset="-127"/>
-              </a:rPr>
-              <a:t>소스를 가져옴</a:t>
-            </a:r>
-            <a:endParaRPr lang="en-US" altLang="ko-KR" sz="1600" dirty="0" smtClean="0">
-              <a:latin typeface="G마켓 산스 TTF Medium" panose="02000000000000000000" pitchFamily="2" charset="-127"/>
-              <a:ea typeface="G마켓 산스 TTF Medium" panose="02000000000000000000" pitchFamily="2" charset="-127"/>
-            </a:endParaRPr>
-          </a:p>
-          <a:p>
-            <a:r>
-              <a:rPr lang="en-US" altLang="ko-KR" sz="1600" dirty="0" smtClean="0">
-                <a:latin typeface="G마켓 산스 TTF Medium" panose="02000000000000000000" pitchFamily="2" charset="-127"/>
-                <a:ea typeface="G마켓 산스 TTF Medium" panose="02000000000000000000" pitchFamily="2" charset="-127"/>
-              </a:rPr>
-              <a:t>If</a:t>
-            </a:r>
-            <a:r>
-              <a:rPr lang="ko-KR" altLang="en-US" sz="1600" dirty="0" smtClean="0">
-                <a:latin typeface="G마켓 산스 TTF Medium" panose="02000000000000000000" pitchFamily="2" charset="-127"/>
-                <a:ea typeface="G마켓 산스 TTF Medium" panose="02000000000000000000" pitchFamily="2" charset="-127"/>
-              </a:rPr>
-              <a:t>문 </a:t>
-            </a:r>
-            <a:r>
-              <a:rPr lang="en-US" altLang="ko-KR" sz="1600" dirty="0" smtClean="0">
-                <a:latin typeface="G마켓 산스 TTF Medium" panose="02000000000000000000" pitchFamily="2" charset="-127"/>
-                <a:ea typeface="G마켓 산스 TTF Medium" panose="02000000000000000000" pitchFamily="2" charset="-127"/>
-              </a:rPr>
-              <a:t>:  </a:t>
-            </a:r>
-            <a:r>
-              <a:rPr lang="ko-KR" altLang="en-US" sz="1600" dirty="0" smtClean="0">
-                <a:latin typeface="G마켓 산스 TTF Medium" panose="02000000000000000000" pitchFamily="2" charset="-127"/>
-                <a:ea typeface="G마켓 산스 TTF Medium" panose="02000000000000000000" pitchFamily="2" charset="-127"/>
-              </a:rPr>
-              <a:t>이벤트가 </a:t>
-            </a:r>
-            <a:r>
-              <a:rPr lang="ko-KR" altLang="en-US" sz="1600" dirty="0">
-                <a:latin typeface="G마켓 산스 TTF Medium" panose="02000000000000000000" pitchFamily="2" charset="-127"/>
-                <a:ea typeface="G마켓 산스 TTF Medium" panose="02000000000000000000" pitchFamily="2" charset="-127"/>
-              </a:rPr>
-              <a:t>버튼을 누른다면 </a:t>
-            </a:r>
-            <a:r>
-              <a:rPr lang="en-US" altLang="ko-KR" sz="1600" dirty="0">
-                <a:latin typeface="G마켓 산스 TTF Medium" panose="02000000000000000000" pitchFamily="2" charset="-127"/>
-                <a:ea typeface="G마켓 산스 TTF Medium" panose="02000000000000000000" pitchFamily="2" charset="-127"/>
-              </a:rPr>
-              <a:t>or </a:t>
-            </a:r>
-            <a:r>
-              <a:rPr lang="ko-KR" altLang="en-US" sz="1600" dirty="0" err="1">
-                <a:latin typeface="G마켓 산스 TTF Medium" panose="02000000000000000000" pitchFamily="2" charset="-127"/>
-                <a:ea typeface="G마켓 산스 TTF Medium" panose="02000000000000000000" pitchFamily="2" charset="-127"/>
-              </a:rPr>
-              <a:t>엔터를</a:t>
-            </a:r>
-            <a:r>
-              <a:rPr lang="ko-KR" altLang="en-US" sz="1600" dirty="0">
-                <a:latin typeface="G마켓 산스 TTF Medium" panose="02000000000000000000" pitchFamily="2" charset="-127"/>
-                <a:ea typeface="G마켓 산스 TTF Medium" panose="02000000000000000000" pitchFamily="2" charset="-127"/>
-              </a:rPr>
-              <a:t> </a:t>
-            </a:r>
-            <a:r>
-              <a:rPr lang="ko-KR" altLang="en-US" sz="1600" dirty="0" smtClean="0">
-                <a:latin typeface="G마켓 산스 TTF Medium" panose="02000000000000000000" pitchFamily="2" charset="-127"/>
-                <a:ea typeface="G마켓 산스 TTF Medium" panose="02000000000000000000" pitchFamily="2" charset="-127"/>
-              </a:rPr>
-              <a:t>누른다면</a:t>
-            </a:r>
-            <a:endParaRPr lang="en-US" altLang="ko-KR" sz="1600" dirty="0" smtClean="0">
-              <a:latin typeface="G마켓 산스 TTF Medium" panose="02000000000000000000" pitchFamily="2" charset="-127"/>
-              <a:ea typeface="G마켓 산스 TTF Medium" panose="02000000000000000000" pitchFamily="2" charset="-127"/>
-            </a:endParaRPr>
-          </a:p>
-          <a:p>
-            <a:pPr marL="0" indent="0">
-              <a:buNone/>
-            </a:pPr>
-            <a:r>
-              <a:rPr lang="en-US" altLang="ko-KR" sz="1600" dirty="0" smtClean="0">
-                <a:latin typeface="G마켓 산스 TTF Medium" panose="02000000000000000000" pitchFamily="2" charset="-127"/>
-                <a:ea typeface="G마켓 산스 TTF Medium" panose="02000000000000000000" pitchFamily="2" charset="-127"/>
-              </a:rPr>
-              <a:t>	</a:t>
-            </a:r>
-            <a:r>
-              <a:rPr lang="en-US" altLang="ko-KR" sz="1600" dirty="0" err="1" smtClean="0">
-                <a:latin typeface="G마켓 산스 TTF Medium" panose="02000000000000000000" pitchFamily="2" charset="-127"/>
-                <a:ea typeface="G마켓 산스 TTF Medium" panose="02000000000000000000" pitchFamily="2" charset="-127"/>
-              </a:rPr>
-              <a:t>sendMessage</a:t>
-            </a:r>
-            <a:r>
-              <a:rPr lang="ko-KR" altLang="en-US" sz="1600" dirty="0" smtClean="0">
-                <a:latin typeface="G마켓 산스 TTF Medium" panose="02000000000000000000" pitchFamily="2" charset="-127"/>
-                <a:ea typeface="G마켓 산스 TTF Medium" panose="02000000000000000000" pitchFamily="2" charset="-127"/>
-              </a:rPr>
-              <a:t>함수 실행</a:t>
-            </a:r>
-            <a:endParaRPr lang="en-US" altLang="ko-KR" sz="1600" dirty="0" smtClean="0">
-              <a:latin typeface="G마켓 산스 TTF Medium" panose="02000000000000000000" pitchFamily="2" charset="-127"/>
-              <a:ea typeface="G마켓 산스 TTF Medium" panose="02000000000000000000" pitchFamily="2" charset="-127"/>
-            </a:endParaRPr>
-          </a:p>
-          <a:p>
-            <a:pPr marL="0" indent="0">
-              <a:buNone/>
-            </a:pPr>
-            <a:endParaRPr lang="en-US" altLang="ko-KR" sz="1600" dirty="0" smtClean="0">
-              <a:latin typeface="G마켓 산스 TTF Medium" panose="02000000000000000000" pitchFamily="2" charset="-127"/>
-              <a:ea typeface="G마켓 산스 TTF Medium" panose="02000000000000000000" pitchFamily="2" charset="-127"/>
-            </a:endParaRPr>
-          </a:p>
-          <a:p>
-            <a:pPr marL="457200" indent="-457200">
-              <a:buFont typeface="+mj-lt"/>
-              <a:buAutoNum type="arabicParenR"/>
-            </a:pPr>
-            <a:endParaRPr lang="ko-KR" altLang="en-US" dirty="0">
-              <a:latin typeface="G마켓 산스 TTF Bold" panose="02000000000000000000" pitchFamily="2" charset="-127"/>
-              <a:ea typeface="G마켓 산스 TTF Bold" panose="02000000000000000000" pitchFamily="2" charset="-127"/>
-            </a:endParaRPr>
-          </a:p>
-        </p:txBody>
-      </p:sp>
-    </p:spTree>
-    <p:extLst>
-      <p:ext uri="{BB962C8B-B14F-4D97-AF65-F5344CB8AC3E}">
-        <p14:creationId xmlns:p14="http://schemas.microsoft.com/office/powerpoint/2010/main" val="69217790"/>
-      </p:ext>
-    </p:extLst>
-  </p:cSld>
-  <p:clrMapOvr>
-    <a:masterClrMapping/>
-  </p:clrMapOvr>
-</p:sld>
-</file>
-
-<file path=ppt/slides/slide42.xml><?xml version="1.0" encoding="utf-8"?>
-<p:sld xmlns:a="http://schemas.openxmlformats.org/drawingml/2006/main" xmlns:r="http://schemas.openxmlformats.org/officeDocument/2006/relationships" xmlns:p="http://schemas.openxmlformats.org/presentationml/2006/main">
-  <p:cSld>
-    <p:spTree>
-      <p:nvGrpSpPr>
-        <p:cNvPr id="1" name=""/>
-        <p:cNvGrpSpPr/>
-        <p:nvPr/>
-      </p:nvGrpSpPr>
-      <p:grpSpPr>
-        <a:xfrm>
-          <a:off x="0" y="0"/>
-          <a:ext cx="0" cy="0"/>
-          <a:chOff x="0" y="0"/>
-          <a:chExt cx="0" cy="0"/>
-        </a:xfrm>
-      </p:grpSpPr>
-      <p:graphicFrame>
-        <p:nvGraphicFramePr>
-          <p:cNvPr id="2" name="표 1">
-            <a:extLst>
-              <a:ext uri="{FF2B5EF4-FFF2-40B4-BE49-F238E27FC236}">
-                <a16:creationId xmlns:a16="http://schemas.microsoft.com/office/drawing/2014/main" id="{9F71B751-121F-AEB5-70A3-7117E3478E4B}"/>
-              </a:ext>
-            </a:extLst>
-          </p:cNvPr>
-          <p:cNvGraphicFramePr>
-            <a:graphicFrameLocks noGrp="1"/>
-          </p:cNvGraphicFramePr>
-          <p:nvPr>
-            <p:extLst/>
-          </p:nvPr>
-        </p:nvGraphicFramePr>
-        <p:xfrm>
-          <a:off x="0" y="0"/>
-          <a:ext cx="12192004" cy="365760"/>
-        </p:xfrm>
-        <a:graphic>
-          <a:graphicData uri="http://schemas.openxmlformats.org/drawingml/2006/table">
-            <a:tbl>
-              <a:tblPr firstRow="1" bandRow="1">
-                <a:tableStyleId>{5C22544A-7EE6-4342-B048-85BDC9FD1C3A}</a:tableStyleId>
-              </a:tblPr>
-              <a:tblGrid>
-                <a:gridCol w="3048001">
-                  <a:extLst>
-                    <a:ext uri="{9D8B030D-6E8A-4147-A177-3AD203B41FA5}">
-                      <a16:colId xmlns:a16="http://schemas.microsoft.com/office/drawing/2014/main" val="2897943366"/>
-                    </a:ext>
-                  </a:extLst>
-                </a:gridCol>
-                <a:gridCol w="3048001">
-                  <a:extLst>
-                    <a:ext uri="{9D8B030D-6E8A-4147-A177-3AD203B41FA5}">
-                      <a16:colId xmlns:a16="http://schemas.microsoft.com/office/drawing/2014/main" val="3476757448"/>
-                    </a:ext>
-                  </a:extLst>
-                </a:gridCol>
-                <a:gridCol w="3048001">
-                  <a:extLst>
-                    <a:ext uri="{9D8B030D-6E8A-4147-A177-3AD203B41FA5}">
-                      <a16:colId xmlns:a16="http://schemas.microsoft.com/office/drawing/2014/main" val="2093659269"/>
-                    </a:ext>
-                  </a:extLst>
-                </a:gridCol>
-                <a:gridCol w="3048001">
-                  <a:extLst>
-                    <a:ext uri="{9D8B030D-6E8A-4147-A177-3AD203B41FA5}">
-                      <a16:colId xmlns:a16="http://schemas.microsoft.com/office/drawing/2014/main" val="1447057663"/>
-                    </a:ext>
-                  </a:extLst>
-                </a:gridCol>
-              </a:tblGrid>
-              <a:tr h="243281">
-                <a:tc>
-                  <a:txBody>
-                    <a:bodyPr/>
-                    <a:lstStyle/>
-                    <a:p>
-                      <a:pPr latinLnBrk="1"/>
-                      <a:endParaRPr lang="ko-KR" altLang="en-US" dirty="0"/>
-                    </a:p>
-                  </a:txBody>
-                  <a:tcPr>
-                    <a:lnL w="12700" cmpd="sng">
-                      <a:noFill/>
-                    </a:lnL>
-                    <a:lnR w="28575" cap="flat" cmpd="sng" algn="ctr">
-                      <a:solidFill>
-                        <a:schemeClr val="bg1"/>
-                      </a:solidFill>
-                      <a:prstDash val="solid"/>
-                      <a:round/>
-                      <a:headEnd type="none" w="med" len="med"/>
-                      <a:tailEnd type="none" w="med" len="med"/>
-                    </a:lnR>
-                    <a:lnT w="12700" cmpd="sng">
-                      <a:noFill/>
-                    </a:lnT>
-                    <a:lnB w="38100" cmpd="sng">
-                      <a:noFill/>
-                    </a:lnB>
-                    <a:lnTlToBr w="12700" cmpd="sng">
-                      <a:noFill/>
-                      <a:prstDash val="solid"/>
-                    </a:lnTlToBr>
-                    <a:lnBlToTr w="12700" cmpd="sng">
-                      <a:noFill/>
-                      <a:prstDash val="solid"/>
-                    </a:lnBlToTr>
-                  </a:tcPr>
-                </a:tc>
-                <a:tc>
-                  <a:txBody>
-                    <a:bodyPr/>
-                    <a:lstStyle/>
-                    <a:p>
-                      <a:pPr latinLnBrk="1"/>
-                      <a:endParaRPr lang="ko-KR" altLang="en-US" dirty="0"/>
-                    </a:p>
-                  </a:txBody>
-                  <a:tcPr>
-                    <a:lnL w="28575" cap="flat" cmpd="sng" algn="ctr">
-                      <a:solidFill>
-                        <a:schemeClr val="bg1"/>
-                      </a:solidFill>
-                      <a:prstDash val="solid"/>
-                      <a:round/>
-                      <a:headEnd type="none" w="med" len="med"/>
-                      <a:tailEnd type="none" w="med" len="med"/>
-                    </a:lnL>
-                    <a:lnR w="28575" cap="flat" cmpd="sng" algn="ctr">
-                      <a:solidFill>
-                        <a:schemeClr val="bg1"/>
-                      </a:solidFill>
-                      <a:prstDash val="solid"/>
-                      <a:round/>
-                      <a:headEnd type="none" w="med" len="med"/>
-                      <a:tailEnd type="none" w="med" len="med"/>
-                    </a:lnR>
-                    <a:lnT w="12700" cmpd="sng">
-                      <a:noFill/>
-                    </a:lnT>
-                    <a:lnB w="38100" cmpd="sng">
-                      <a:noFill/>
-                    </a:lnB>
-                    <a:lnTlToBr w="12700" cmpd="sng">
-                      <a:noFill/>
-                      <a:prstDash val="solid"/>
-                    </a:lnTlToBr>
-                    <a:lnBlToTr w="12700" cmpd="sng">
-                      <a:noFill/>
-                      <a:prstDash val="solid"/>
-                    </a:lnBlToTr>
-                    <a:solidFill>
-                      <a:srgbClr val="E4650E"/>
-                    </a:solidFill>
-                  </a:tcPr>
-                </a:tc>
-                <a:tc>
-                  <a:txBody>
-                    <a:bodyPr/>
-                    <a:lstStyle/>
-                    <a:p>
-                      <a:pPr latinLnBrk="1"/>
-                      <a:endParaRPr lang="ko-KR" altLang="en-US" dirty="0"/>
-                    </a:p>
-                  </a:txBody>
-                  <a:tcPr>
-                    <a:lnL w="28575" cap="flat" cmpd="sng" algn="ctr">
-                      <a:solidFill>
-                        <a:schemeClr val="bg1"/>
-                      </a:solidFill>
-                      <a:prstDash val="solid"/>
-                      <a:round/>
-                      <a:headEnd type="none" w="med" len="med"/>
-                      <a:tailEnd type="none" w="med" len="med"/>
-                    </a:lnL>
-                    <a:lnR w="28575" cap="flat" cmpd="sng" algn="ctr">
-                      <a:solidFill>
-                        <a:schemeClr val="bg1"/>
-                      </a:solidFill>
-                      <a:prstDash val="solid"/>
-                      <a:round/>
-                      <a:headEnd type="none" w="med" len="med"/>
-                      <a:tailEnd type="none" w="med" len="med"/>
-                    </a:lnR>
-                    <a:lnT w="12700" cmpd="sng">
-                      <a:noFill/>
-                    </a:lnT>
-                    <a:lnB w="38100" cmpd="sng">
-                      <a:noFill/>
-                    </a:lnB>
-                    <a:lnTlToBr w="12700" cmpd="sng">
-                      <a:noFill/>
-                      <a:prstDash val="solid"/>
-                    </a:lnTlToBr>
-                    <a:lnBlToTr w="12700" cmpd="sng">
-                      <a:noFill/>
-                      <a:prstDash val="solid"/>
-                    </a:lnBlToTr>
-                    <a:solidFill>
-                      <a:srgbClr val="E4650E"/>
-                    </a:solidFill>
-                  </a:tcPr>
-                </a:tc>
-                <a:tc>
-                  <a:txBody>
-                    <a:bodyPr/>
-                    <a:lstStyle/>
-                    <a:p>
-                      <a:pPr latinLnBrk="1"/>
-                      <a:endParaRPr lang="ko-KR" altLang="en-US" dirty="0"/>
-                    </a:p>
-                  </a:txBody>
-                  <a:tcPr>
-                    <a:lnL w="28575" cap="flat" cmpd="sng" algn="ctr">
-                      <a:solidFill>
-                        <a:schemeClr val="bg1"/>
-                      </a:solidFill>
-                      <a:prstDash val="solid"/>
-                      <a:round/>
-                      <a:headEnd type="none" w="med" len="med"/>
-                      <a:tailEnd type="none" w="med" len="med"/>
-                    </a:lnL>
-                    <a:lnR w="12700" cmpd="sng">
-                      <a:noFill/>
-                    </a:lnR>
-                    <a:lnT w="12700" cmpd="sng">
-                      <a:noFill/>
-                    </a:lnT>
-                    <a:lnB w="38100" cmpd="sng">
-                      <a:noFill/>
-                    </a:lnB>
-                    <a:lnTlToBr w="12700" cmpd="sng">
-                      <a:noFill/>
-                      <a:prstDash val="solid"/>
-                    </a:lnTlToBr>
-                    <a:lnBlToTr w="12700" cmpd="sng">
-                      <a:noFill/>
-                      <a:prstDash val="solid"/>
-                    </a:lnBlToTr>
-                    <a:solidFill>
-                      <a:schemeClr val="bg1">
-                        <a:lumMod val="85000"/>
-                      </a:schemeClr>
-                    </a:solidFill>
-                  </a:tcPr>
-                </a:tc>
-                <a:extLst>
-                  <a:ext uri="{0D108BD9-81ED-4DB2-BD59-A6C34878D82A}">
-                    <a16:rowId xmlns:a16="http://schemas.microsoft.com/office/drawing/2014/main" val="3765831902"/>
-                  </a:ext>
-                </a:extLst>
-              </a:tr>
-            </a:tbl>
-          </a:graphicData>
-        </a:graphic>
-      </p:graphicFrame>
-      <p:sp>
-        <p:nvSpPr>
-          <p:cNvPr id="3" name="TextBox 2">
-            <a:extLst>
-              <a:ext uri="{FF2B5EF4-FFF2-40B4-BE49-F238E27FC236}">
-                <a16:creationId xmlns:a16="http://schemas.microsoft.com/office/drawing/2014/main" id="{CD0E8476-3BE3-3B40-FEE5-2F0B43093017}"/>
-              </a:ext>
-            </a:extLst>
-          </p:cNvPr>
-          <p:cNvSpPr txBox="1"/>
-          <p:nvPr/>
-        </p:nvSpPr>
-        <p:spPr>
-          <a:xfrm>
-            <a:off x="749417" y="604202"/>
-            <a:ext cx="10693166" cy="861774"/>
-          </a:xfrm>
-          <a:prstGeom prst="rect">
-            <a:avLst/>
-          </a:prstGeom>
-          <a:noFill/>
-        </p:spPr>
-        <p:txBody>
-          <a:bodyPr wrap="square" rtlCol="0">
-            <a:spAutoFit/>
-          </a:bodyPr>
-          <a:lstStyle/>
-          <a:p>
-            <a:pPr algn="ctr"/>
-            <a:r>
-              <a:rPr lang="ko-KR" altLang="en-US" sz="5000" dirty="0">
-                <a:solidFill>
-                  <a:srgbClr val="E4650E"/>
-                </a:solidFill>
-                <a:latin typeface="G마켓 산스 TTF Bold" panose="02000000000000000000" pitchFamily="2" charset="-127"/>
-                <a:ea typeface="G마켓 산스 TTF Bold" panose="02000000000000000000" pitchFamily="2" charset="-127"/>
-              </a:rPr>
-              <a:t>코드 소개 </a:t>
-            </a:r>
-            <a:r>
-              <a:rPr lang="en-US" altLang="ko-KR" sz="5000" dirty="0">
-                <a:solidFill>
-                  <a:srgbClr val="E4650E"/>
-                </a:solidFill>
-                <a:latin typeface="G마켓 산스 TTF Bold" panose="02000000000000000000" pitchFamily="2" charset="-127"/>
-                <a:ea typeface="G마켓 산스 TTF Bold" panose="02000000000000000000" pitchFamily="2" charset="-127"/>
-              </a:rPr>
-              <a:t>– </a:t>
-            </a:r>
-            <a:r>
-              <a:rPr lang="en-US" altLang="ko-KR" sz="5000" dirty="0" err="1" smtClean="0">
-                <a:solidFill>
-                  <a:srgbClr val="E4650E"/>
-                </a:solidFill>
-                <a:latin typeface="G마켓 산스 TTF Bold" panose="02000000000000000000" pitchFamily="2" charset="-127"/>
-                <a:ea typeface="G마켓 산스 TTF Bold" panose="02000000000000000000" pitchFamily="2" charset="-127"/>
-              </a:rPr>
-              <a:t>SwingClientApp</a:t>
-            </a:r>
-            <a:endParaRPr lang="ko-KR" altLang="en-US" sz="5000" dirty="0">
-              <a:solidFill>
-                <a:srgbClr val="E4650E"/>
-              </a:solidFill>
-              <a:latin typeface="G마켓 산스 TTF Bold" panose="02000000000000000000" pitchFamily="2" charset="-127"/>
-              <a:ea typeface="G마켓 산스 TTF Bold" panose="02000000000000000000" pitchFamily="2" charset="-127"/>
-            </a:endParaRPr>
-          </a:p>
-        </p:txBody>
-      </p:sp>
-      <p:pic>
-        <p:nvPicPr>
-          <p:cNvPr id="7" name="그림 6">
-            <a:extLst>
-              <a:ext uri="{FF2B5EF4-FFF2-40B4-BE49-F238E27FC236}">
-                <a16:creationId xmlns:a16="http://schemas.microsoft.com/office/drawing/2014/main" id="{F0CAFCF0-63D8-91A8-7D52-EA50ACF5321A}"/>
-              </a:ext>
-            </a:extLst>
-          </p:cNvPr>
-          <p:cNvPicPr>
-            <a:picLocks noChangeAspect="1"/>
-          </p:cNvPicPr>
-          <p:nvPr/>
-        </p:nvPicPr>
-        <p:blipFill>
-          <a:blip r:embed="rId2"/>
-          <a:stretch>
-            <a:fillRect/>
-          </a:stretch>
-        </p:blipFill>
-        <p:spPr>
-          <a:xfrm>
-            <a:off x="0" y="1809000"/>
-            <a:ext cx="6116211" cy="3240000"/>
-          </a:xfrm>
-          <a:prstGeom prst="rect">
-            <a:avLst/>
-          </a:prstGeom>
-        </p:spPr>
-      </p:pic>
-      <p:sp>
-        <p:nvSpPr>
-          <p:cNvPr id="8" name="부제목 2">
-            <a:extLst>
-              <a:ext uri="{FF2B5EF4-FFF2-40B4-BE49-F238E27FC236}">
-                <a16:creationId xmlns:a16="http://schemas.microsoft.com/office/drawing/2014/main" id="{A8E6C0A9-8ACE-CA20-A318-4708C055E062}"/>
-              </a:ext>
-            </a:extLst>
-          </p:cNvPr>
-          <p:cNvSpPr txBox="1">
-            <a:spLocks/>
-          </p:cNvSpPr>
-          <p:nvPr/>
-        </p:nvSpPr>
-        <p:spPr>
-          <a:xfrm>
-            <a:off x="6258158" y="1465976"/>
-            <a:ext cx="5933846" cy="5096749"/>
-          </a:xfrm>
-          <a:prstGeom prst="rect">
-            <a:avLst/>
-          </a:prstGeom>
-          <a:ln w="38100">
-            <a:noFill/>
-          </a:ln>
-        </p:spPr>
-        <p:txBody>
-          <a:bodyPr/>
-          <a:lstStyle>
-            <a:lvl1pPr marL="228600" indent="-228600" algn="l" defTabSz="914400" rtl="0" eaLnBrk="1" latinLnBrk="0" hangingPunct="1">
-              <a:lnSpc>
-                <a:spcPct val="105000"/>
-              </a:lnSpc>
-              <a:spcBef>
-                <a:spcPts val="1000"/>
-              </a:spcBef>
-              <a:buFont typeface="Arial" panose="020B0604020202020204" pitchFamily="34" charset="0"/>
-              <a:buChar char="•"/>
-              <a:defRPr sz="2600" kern="1200" spc="90">
-                <a:solidFill>
-                  <a:schemeClr val="tx1"/>
-                </a:solidFill>
-                <a:latin typeface="+mn-lt"/>
-                <a:ea typeface="+mn-ea"/>
-                <a:cs typeface="+mn-cs"/>
-              </a:defRPr>
-            </a:lvl1pPr>
-            <a:lvl2pPr marL="685800" indent="-228600" algn="l" defTabSz="914400" rtl="0" eaLnBrk="1" latinLnBrk="0" hangingPunct="1">
-              <a:lnSpc>
-                <a:spcPct val="105000"/>
-              </a:lnSpc>
-              <a:spcBef>
-                <a:spcPts val="500"/>
-              </a:spcBef>
-              <a:buFont typeface="Arial" panose="020B0604020202020204" pitchFamily="34" charset="0"/>
-              <a:buChar char="•"/>
-              <a:defRPr sz="2200" kern="1200" spc="90">
-                <a:solidFill>
-                  <a:schemeClr val="tx1"/>
-                </a:solidFill>
-                <a:latin typeface="+mn-lt"/>
-                <a:ea typeface="+mn-ea"/>
-                <a:cs typeface="+mn-cs"/>
-              </a:defRPr>
-            </a:lvl2pPr>
-            <a:lvl3pPr marL="1143000" indent="-228600" algn="l" defTabSz="914400" rtl="0" eaLnBrk="1" latinLnBrk="0" hangingPunct="1">
-              <a:lnSpc>
-                <a:spcPct val="105000"/>
-              </a:lnSpc>
-              <a:spcBef>
-                <a:spcPts val="500"/>
-              </a:spcBef>
-              <a:buFont typeface="Arial" panose="020B0604020202020204" pitchFamily="34" charset="0"/>
-              <a:buChar char="•"/>
-              <a:defRPr sz="2000" kern="1200" spc="90">
-                <a:solidFill>
-                  <a:schemeClr val="tx1"/>
-                </a:solidFill>
-                <a:latin typeface="+mn-lt"/>
-                <a:ea typeface="+mn-ea"/>
-                <a:cs typeface="+mn-cs"/>
-              </a:defRPr>
-            </a:lvl3pPr>
-            <a:lvl4pPr marL="1600200" indent="-228600" algn="l" defTabSz="914400" rtl="0" eaLnBrk="1" latinLnBrk="0" hangingPunct="1">
-              <a:lnSpc>
-                <a:spcPct val="105000"/>
-              </a:lnSpc>
-              <a:spcBef>
-                <a:spcPts val="500"/>
-              </a:spcBef>
-              <a:buFont typeface="Arial" panose="020B0604020202020204" pitchFamily="34" charset="0"/>
-              <a:buChar char="•"/>
-              <a:defRPr sz="1800" kern="1200" spc="90">
-                <a:solidFill>
-                  <a:schemeClr val="tx1"/>
-                </a:solidFill>
-                <a:latin typeface="+mn-lt"/>
-                <a:ea typeface="+mn-ea"/>
-                <a:cs typeface="+mn-cs"/>
-              </a:defRPr>
-            </a:lvl4pPr>
-            <a:lvl5pPr marL="2057400" indent="-228600" algn="l" defTabSz="914400" rtl="0" eaLnBrk="1" latinLnBrk="0" hangingPunct="1">
-              <a:lnSpc>
-                <a:spcPct val="105000"/>
-              </a:lnSpc>
-              <a:spcBef>
-                <a:spcPts val="500"/>
-              </a:spcBef>
-              <a:buFont typeface="Arial" panose="020B0604020202020204" pitchFamily="34" charset="0"/>
-              <a:buChar char="•"/>
-              <a:defRPr sz="1800" kern="1200" spc="90">
-                <a:solidFill>
-                  <a:schemeClr val="tx1"/>
-                </a:solidFill>
-                <a:latin typeface="+mn-lt"/>
-                <a:ea typeface="+mn-ea"/>
-                <a:cs typeface="+mn-cs"/>
-              </a:defRPr>
-            </a:lvl5pPr>
-            <a:lvl6pPr marL="2514600" indent="-228600" algn="l" defTabSz="914400" rtl="0" eaLnBrk="1" latinLnBrk="0" hangingPunct="1">
-              <a:lnSpc>
-                <a:spcPct val="90000"/>
-              </a:lnSpc>
-              <a:spcBef>
-                <a:spcPts val="500"/>
-              </a:spcBef>
-              <a:buFont typeface="Arial" panose="020B0604020202020204" pitchFamily="34" charset="0"/>
-              <a:buChar char="•"/>
-              <a:defRPr sz="1800" kern="1200">
-                <a:solidFill>
-                  <a:schemeClr val="tx1"/>
-                </a:solidFill>
-                <a:latin typeface="+mn-lt"/>
-                <a:ea typeface="+mn-ea"/>
-                <a:cs typeface="+mn-cs"/>
-              </a:defRPr>
-            </a:lvl6pPr>
-            <a:lvl7pPr marL="2971800" indent="-228600" algn="l" defTabSz="914400" rtl="0" eaLnBrk="1" latinLnBrk="0" hangingPunct="1">
-              <a:lnSpc>
-                <a:spcPct val="90000"/>
-              </a:lnSpc>
-              <a:spcBef>
-                <a:spcPts val="500"/>
-              </a:spcBef>
-              <a:buFont typeface="Arial" panose="020B0604020202020204" pitchFamily="34" charset="0"/>
-              <a:buChar char="•"/>
-              <a:defRPr sz="1800" kern="1200">
-                <a:solidFill>
-                  <a:schemeClr val="tx1"/>
-                </a:solidFill>
-                <a:latin typeface="+mn-lt"/>
-                <a:ea typeface="+mn-ea"/>
-                <a:cs typeface="+mn-cs"/>
-              </a:defRPr>
-            </a:lvl7pPr>
-            <a:lvl8pPr marL="3429000" indent="-228600" algn="l" defTabSz="914400" rtl="0" eaLnBrk="1" latinLnBrk="0" hangingPunct="1">
-              <a:lnSpc>
-                <a:spcPct val="90000"/>
-              </a:lnSpc>
-              <a:spcBef>
-                <a:spcPts val="500"/>
-              </a:spcBef>
-              <a:buFont typeface="Arial" panose="020B0604020202020204" pitchFamily="34" charset="0"/>
-              <a:buChar char="•"/>
-              <a:defRPr sz="1800" kern="1200">
-                <a:solidFill>
-                  <a:schemeClr val="tx1"/>
-                </a:solidFill>
-                <a:latin typeface="+mn-lt"/>
-                <a:ea typeface="+mn-ea"/>
-                <a:cs typeface="+mn-cs"/>
-              </a:defRPr>
-            </a:lvl8pPr>
-            <a:lvl9pPr marL="3886200" indent="-228600" algn="l" defTabSz="914400" rtl="0" eaLnBrk="1" latinLnBrk="0" hangingPunct="1">
-              <a:lnSpc>
-                <a:spcPct val="90000"/>
-              </a:lnSpc>
-              <a:spcBef>
-                <a:spcPts val="500"/>
-              </a:spcBef>
-              <a:buFont typeface="Arial" panose="020B0604020202020204" pitchFamily="34" charset="0"/>
-              <a:buChar char="•"/>
-              <a:defRPr sz="1800" kern="1200">
-                <a:solidFill>
-                  <a:schemeClr val="tx1"/>
-                </a:solidFill>
-                <a:latin typeface="+mn-lt"/>
-                <a:ea typeface="+mn-ea"/>
-                <a:cs typeface="+mn-cs"/>
-              </a:defRPr>
-            </a:lvl9pPr>
-          </a:lstStyle>
-          <a:p>
-            <a:pPr marL="0" indent="0">
-              <a:buNone/>
-            </a:pPr>
-            <a:r>
-              <a:rPr lang="en-US" altLang="ko-KR" sz="1800" b="1" dirty="0" smtClean="0">
-                <a:latin typeface="G마켓 산스 TTF Bold" panose="02000000000000000000" pitchFamily="2" charset="-127"/>
-                <a:ea typeface="G마켓 산스 TTF Bold" panose="02000000000000000000" pitchFamily="2" charset="-127"/>
-              </a:rPr>
-              <a:t>6. </a:t>
+              <a:t>6) </a:t>
             </a:r>
             <a:r>
               <a:rPr lang="en-US" altLang="ko-KR" sz="1800" b="1" dirty="0" err="1" smtClean="0">
@@ -37099,6 +37453,85 @@
               <a:buAutoNum type="arabicParenR"/>
             </a:pPr>
             <a:endParaRPr lang="ko-KR" altLang="en-US" dirty="0">
+              <a:latin typeface="G마켓 산스 TTF Bold" panose="02000000000000000000" pitchFamily="2" charset="-127"/>
+              <a:ea typeface="G마켓 산스 TTF Bold" panose="02000000000000000000" pitchFamily="2" charset="-127"/>
+            </a:endParaRPr>
+          </a:p>
+        </p:txBody>
+      </p:sp>
+      <p:sp>
+        <p:nvSpPr>
+          <p:cNvPr id="6" name="제목 1">
+            <a:extLst>
+              <a:ext uri="{FF2B5EF4-FFF2-40B4-BE49-F238E27FC236}">
+                <a16:creationId xmlns:a16="http://schemas.microsoft.com/office/drawing/2014/main" id="{0F15DE4D-6439-7476-2129-C2465A8AF469}"/>
+              </a:ext>
+            </a:extLst>
+          </p:cNvPr>
+          <p:cNvSpPr txBox="1">
+            <a:spLocks/>
+          </p:cNvSpPr>
+          <p:nvPr/>
+        </p:nvSpPr>
+        <p:spPr>
+          <a:xfrm>
+            <a:off x="399525" y="1321085"/>
+            <a:ext cx="3341472" cy="639136"/>
+          </a:xfrm>
+          <a:prstGeom prst="rect">
+            <a:avLst/>
+          </a:prstGeom>
+          <a:ln w="38100">
+            <a:noFill/>
+          </a:ln>
+        </p:spPr>
+        <p:txBody>
+          <a:bodyPr anchor="ctr">
+            <a:noAutofit/>
+          </a:bodyPr>
+          <a:lstStyle>
+            <a:lvl1pPr algn="l" defTabSz="914400" rtl="0" eaLnBrk="1" latinLnBrk="0" hangingPunct="1">
+              <a:lnSpc>
+                <a:spcPct val="110000"/>
+              </a:lnSpc>
+              <a:spcBef>
+                <a:spcPct val="0"/>
+              </a:spcBef>
+              <a:buNone/>
+              <a:defRPr sz="4400" kern="1200" spc="90">
+                <a:solidFill>
+                  <a:schemeClr val="tx1"/>
+                </a:solidFill>
+                <a:latin typeface="+mj-lt"/>
+                <a:ea typeface="+mj-ea"/>
+                <a:cs typeface="+mj-cs"/>
+              </a:defRPr>
+            </a:lvl1pPr>
+          </a:lstStyle>
+          <a:p>
+            <a:pPr algn="ctr"/>
+            <a:r>
+              <a:rPr lang="en-US" altLang="ko-KR" sz="2000" dirty="0" smtClean="0">
+                <a:latin typeface="G마켓 산스 TTF Bold" panose="02000000000000000000" pitchFamily="2" charset="-127"/>
+                <a:ea typeface="G마켓 산스 TTF Bold" panose="02000000000000000000" pitchFamily="2" charset="-127"/>
+              </a:rPr>
+              <a:t>4. </a:t>
+            </a:r>
+            <a:r>
+              <a:rPr lang="ko-KR" altLang="en-US" sz="2000" dirty="0" smtClean="0">
+                <a:latin typeface="G마켓 산스 TTF Bold" panose="02000000000000000000" pitchFamily="2" charset="-127"/>
+                <a:ea typeface="G마켓 산스 TTF Bold" panose="02000000000000000000" pitchFamily="2" charset="-127"/>
+              </a:rPr>
+              <a:t>사용 </a:t>
+            </a:r>
+            <a:r>
+              <a:rPr lang="ko-KR" altLang="en-US" sz="2000" dirty="0" smtClean="0">
+                <a:latin typeface="G마켓 산스 TTF Bold" panose="02000000000000000000" pitchFamily="2" charset="-127"/>
+                <a:ea typeface="G마켓 산스 TTF Bold" panose="02000000000000000000" pitchFamily="2" charset="-127"/>
+              </a:rPr>
+              <a:t>코드 서술</a:t>
+            </a:r>
+            <a:endParaRPr lang="ko-KR" altLang="en-US" sz="2000" dirty="0">
               <a:latin typeface="G마켓 산스 TTF Bold" panose="02000000000000000000" pitchFamily="2" charset="-127"/>
               <a:ea typeface="G마켓 산스 TTF Bold" panose="02000000000000000000" pitchFamily="2" charset="-127"/>
             </a:endParaRPr>
